--- a/JS Array Methods.pptx
+++ b/JS Array Methods.pptx
@@ -50,6 +50,14 @@
     <p:sldId id="298" r:id="rId44"/>
     <p:sldId id="299" r:id="rId45"/>
     <p:sldId id="300" r:id="rId46"/>
+    <p:sldId id="301" r:id="rId47"/>
+    <p:sldId id="302" r:id="rId48"/>
+    <p:sldId id="303" r:id="rId49"/>
+    <p:sldId id="304" r:id="rId50"/>
+    <p:sldId id="305" r:id="rId51"/>
+    <p:sldId id="306" r:id="rId52"/>
+    <p:sldId id="307" r:id="rId53"/>
+    <p:sldId id="308" r:id="rId54"/>
   </p:sldIdLst>
   <p:sldSz cx="12192000" cy="6858000"/>
   <p:notesSz cx="6858000" cy="9144000"/>
@@ -198,6 +206,14 @@
             <p14:sldId id="298"/>
             <p14:sldId id="299"/>
             <p14:sldId id="300"/>
+            <p14:sldId id="301"/>
+            <p14:sldId id="302"/>
+            <p14:sldId id="303"/>
+            <p14:sldId id="304"/>
+            <p14:sldId id="305"/>
+            <p14:sldId id="306"/>
+            <p14:sldId id="307"/>
+            <p14:sldId id="308"/>
           </p14:sldIdLst>
         </p14:section>
       </p14:sectionLst>
@@ -356,7 +372,7 @@
           <a:p>
             <a:fld id="{251324DA-2C50-4C1E-BE8C-0E466E647AEA}" type="datetimeFigureOut">
               <a:rPr lang="en-US" smtClean="0"/>
-              <a:t>8/26/2022</a:t>
+              <a:t>9/1/2022</a:t>
             </a:fld>
             <a:endParaRPr lang="en-US"/>
           </a:p>
@@ -554,7 +570,7 @@
           <a:p>
             <a:fld id="{251324DA-2C50-4C1E-BE8C-0E466E647AEA}" type="datetimeFigureOut">
               <a:rPr lang="en-US" smtClean="0"/>
-              <a:t>8/26/2022</a:t>
+              <a:t>9/1/2022</a:t>
             </a:fld>
             <a:endParaRPr lang="en-US"/>
           </a:p>
@@ -762,7 +778,7 @@
           <a:p>
             <a:fld id="{251324DA-2C50-4C1E-BE8C-0E466E647AEA}" type="datetimeFigureOut">
               <a:rPr lang="en-US" smtClean="0"/>
-              <a:t>8/26/2022</a:t>
+              <a:t>9/1/2022</a:t>
             </a:fld>
             <a:endParaRPr lang="en-US"/>
           </a:p>
@@ -960,7 +976,7 @@
           <a:p>
             <a:fld id="{251324DA-2C50-4C1E-BE8C-0E466E647AEA}" type="datetimeFigureOut">
               <a:rPr lang="en-US" smtClean="0"/>
-              <a:t>8/26/2022</a:t>
+              <a:t>9/1/2022</a:t>
             </a:fld>
             <a:endParaRPr lang="en-US"/>
           </a:p>
@@ -1235,7 +1251,7 @@
           <a:p>
             <a:fld id="{251324DA-2C50-4C1E-BE8C-0E466E647AEA}" type="datetimeFigureOut">
               <a:rPr lang="en-US" smtClean="0"/>
-              <a:t>8/26/2022</a:t>
+              <a:t>9/1/2022</a:t>
             </a:fld>
             <a:endParaRPr lang="en-US"/>
           </a:p>
@@ -1500,7 +1516,7 @@
           <a:p>
             <a:fld id="{251324DA-2C50-4C1E-BE8C-0E466E647AEA}" type="datetimeFigureOut">
               <a:rPr lang="en-US" smtClean="0"/>
-              <a:t>8/26/2022</a:t>
+              <a:t>9/1/2022</a:t>
             </a:fld>
             <a:endParaRPr lang="en-US"/>
           </a:p>
@@ -1912,7 +1928,7 @@
           <a:p>
             <a:fld id="{251324DA-2C50-4C1E-BE8C-0E466E647AEA}" type="datetimeFigureOut">
               <a:rPr lang="en-US" smtClean="0"/>
-              <a:t>8/26/2022</a:t>
+              <a:t>9/1/2022</a:t>
             </a:fld>
             <a:endParaRPr lang="en-US"/>
           </a:p>
@@ -2053,7 +2069,7 @@
           <a:p>
             <a:fld id="{251324DA-2C50-4C1E-BE8C-0E466E647AEA}" type="datetimeFigureOut">
               <a:rPr lang="en-US" smtClean="0"/>
-              <a:t>8/26/2022</a:t>
+              <a:t>9/1/2022</a:t>
             </a:fld>
             <a:endParaRPr lang="en-US"/>
           </a:p>
@@ -2166,7 +2182,7 @@
           <a:p>
             <a:fld id="{251324DA-2C50-4C1E-BE8C-0E466E647AEA}" type="datetimeFigureOut">
               <a:rPr lang="en-US" smtClean="0"/>
-              <a:t>8/26/2022</a:t>
+              <a:t>9/1/2022</a:t>
             </a:fld>
             <a:endParaRPr lang="en-US"/>
           </a:p>
@@ -2477,7 +2493,7 @@
           <a:p>
             <a:fld id="{251324DA-2C50-4C1E-BE8C-0E466E647AEA}" type="datetimeFigureOut">
               <a:rPr lang="en-US" smtClean="0"/>
-              <a:t>8/26/2022</a:t>
+              <a:t>9/1/2022</a:t>
             </a:fld>
             <a:endParaRPr lang="en-US"/>
           </a:p>
@@ -2765,7 +2781,7 @@
           <a:p>
             <a:fld id="{251324DA-2C50-4C1E-BE8C-0E466E647AEA}" type="datetimeFigureOut">
               <a:rPr lang="en-US" smtClean="0"/>
-              <a:t>8/26/2022</a:t>
+              <a:t>9/1/2022</a:t>
             </a:fld>
             <a:endParaRPr lang="en-US"/>
           </a:p>
@@ -3006,7 +3022,7 @@
           <a:p>
             <a:fld id="{251324DA-2C50-4C1E-BE8C-0E466E647AEA}" type="datetimeFigureOut">
               <a:rPr lang="en-US" smtClean="0"/>
-              <a:t>8/26/2022</a:t>
+              <a:t>9/1/2022</a:t>
             </a:fld>
             <a:endParaRPr lang="en-US"/>
           </a:p>
@@ -10141,10 +10157,9 @@
               <a:buNone/>
             </a:pPr>
             <a:r>
-              <a:rPr lang="en-US"/>
+              <a:rPr lang="en-US" dirty="0"/>
               <a:t>});</a:t>
             </a:r>
-            <a:endParaRPr lang="en-US" dirty="0"/>
           </a:p>
         </p:txBody>
       </p:sp>
@@ -10152,6 +10167,633 @@
     <p:extLst>
       <p:ext uri="{BB962C8B-B14F-4D97-AF65-F5344CB8AC3E}">
         <p14:creationId xmlns:p14="http://schemas.microsoft.com/office/powerpoint/2010/main" val="3546762855"/>
+      </p:ext>
+    </p:extLst>
+  </p:cSld>
+  <p:clrMapOvr>
+    <a:masterClrMapping/>
+  </p:clrMapOvr>
+</p:sld>
+</file>
+
+<file path=ppt/slides/slide46.xml><?xml version="1.0" encoding="utf-8"?>
+<p:sld xmlns:a="http://schemas.openxmlformats.org/drawingml/2006/main" xmlns:r="http://schemas.openxmlformats.org/officeDocument/2006/relationships" xmlns:p="http://schemas.openxmlformats.org/presentationml/2006/main">
+  <p:cSld>
+    <p:spTree>
+      <p:nvGrpSpPr>
+        <p:cNvPr id="1" name=""/>
+        <p:cNvGrpSpPr/>
+        <p:nvPr/>
+      </p:nvGrpSpPr>
+      <p:grpSpPr>
+        <a:xfrm>
+          <a:off x="0" y="0"/>
+          <a:ext cx="0" cy="0"/>
+          <a:chOff x="0" y="0"/>
+          <a:chExt cx="0" cy="0"/>
+        </a:xfrm>
+      </p:grpSpPr>
+      <p:sp>
+        <p:nvSpPr>
+          <p:cNvPr id="2" name="Title 1">
+            <a:extLst>
+              <a:ext uri="{FF2B5EF4-FFF2-40B4-BE49-F238E27FC236}">
+                <a16:creationId xmlns:a16="http://schemas.microsoft.com/office/drawing/2014/main" id="{FFFEC74D-EBDF-5F2B-79E8-CC66617E88FF}"/>
+              </a:ext>
+            </a:extLst>
+          </p:cNvPr>
+          <p:cNvSpPr>
+            <a:spLocks noGrp="1"/>
+          </p:cNvSpPr>
+          <p:nvPr>
+            <p:ph type="title"/>
+          </p:nvPr>
+        </p:nvSpPr>
+        <p:spPr/>
+        <p:txBody>
+          <a:bodyPr/>
+          <a:lstStyle/>
+          <a:p>
+            <a:r>
+              <a:rPr lang="en-US" dirty="0" err="1"/>
+              <a:t>UseCapture</a:t>
+            </a:r>
+            <a:endParaRPr lang="en-US" dirty="0"/>
+          </a:p>
+        </p:txBody>
+      </p:sp>
+      <p:sp>
+        <p:nvSpPr>
+          <p:cNvPr id="3" name="Content Placeholder 2">
+            <a:extLst>
+              <a:ext uri="{FF2B5EF4-FFF2-40B4-BE49-F238E27FC236}">
+                <a16:creationId xmlns:a16="http://schemas.microsoft.com/office/drawing/2014/main" id="{9D2BCF8B-C727-B646-BF5A-45B87933CBBB}"/>
+              </a:ext>
+            </a:extLst>
+          </p:cNvPr>
+          <p:cNvSpPr>
+            <a:spLocks noGrp="1"/>
+          </p:cNvSpPr>
+          <p:nvPr>
+            <p:ph idx="1"/>
+          </p:nvPr>
+        </p:nvSpPr>
+        <p:spPr>
+          <a:xfrm>
+            <a:off x="838200" y="1825625"/>
+            <a:ext cx="7051766" cy="969826"/>
+          </a:xfrm>
+        </p:spPr>
+        <p:txBody>
+          <a:bodyPr/>
+          <a:lstStyle/>
+          <a:p>
+            <a:pPr marL="0" indent="0">
+              <a:buNone/>
+            </a:pPr>
+            <a:r>
+              <a:rPr lang="en-US" dirty="0" err="1"/>
+              <a:t>addEventListener</a:t>
+            </a:r>
+            <a:r>
+              <a:rPr lang="en-US" dirty="0"/>
+              <a:t>(event, function, </a:t>
+            </a:r>
+            <a:r>
+              <a:rPr lang="en-US" dirty="0" err="1"/>
+              <a:t>useCapture</a:t>
+            </a:r>
+            <a:r>
+              <a:rPr lang="en-US" dirty="0"/>
+              <a:t>);</a:t>
+            </a:r>
+          </a:p>
+        </p:txBody>
+      </p:sp>
+      <p:sp>
+        <p:nvSpPr>
+          <p:cNvPr id="4" name="Rectangle 3">
+            <a:extLst>
+              <a:ext uri="{FF2B5EF4-FFF2-40B4-BE49-F238E27FC236}">
+                <a16:creationId xmlns:a16="http://schemas.microsoft.com/office/drawing/2014/main" id="{F98640CF-5C5F-F9D1-E7D8-BA2D4C663265}"/>
+              </a:ext>
+            </a:extLst>
+          </p:cNvPr>
+          <p:cNvSpPr/>
+          <p:nvPr/>
+        </p:nvSpPr>
+        <p:spPr>
+          <a:xfrm>
+            <a:off x="928352" y="2930388"/>
+            <a:ext cx="5257800" cy="2807594"/>
+          </a:xfrm>
+          <a:prstGeom prst="rect">
+            <a:avLst/>
+          </a:prstGeom>
+        </p:spPr>
+        <p:style>
+          <a:lnRef idx="2">
+            <a:schemeClr val="accent1">
+              <a:shade val="50000"/>
+            </a:schemeClr>
+          </a:lnRef>
+          <a:fillRef idx="1">
+            <a:schemeClr val="accent1"/>
+          </a:fillRef>
+          <a:effectRef idx="0">
+            <a:schemeClr val="accent1"/>
+          </a:effectRef>
+          <a:fontRef idx="minor">
+            <a:schemeClr val="lt1"/>
+          </a:fontRef>
+        </p:style>
+        <p:txBody>
+          <a:bodyPr rtlCol="0" anchor="t"/>
+          <a:lstStyle/>
+          <a:p>
+            <a:r>
+              <a:rPr lang="en-US" dirty="0">
+                <a:ln w="0"/>
+                <a:solidFill>
+                  <a:schemeClr val="tx1"/>
+                </a:solidFill>
+                <a:effectLst>
+                  <a:outerShdw blurRad="38100" dist="19050" dir="2700000" algn="tl" rotWithShape="0">
+                    <a:schemeClr val="dk1">
+                      <a:alpha val="40000"/>
+                    </a:schemeClr>
+                  </a:outerShdw>
+                </a:effectLst>
+              </a:rPr>
+              <a:t>Outer</a:t>
+            </a:r>
+          </a:p>
+        </p:txBody>
+      </p:sp>
+      <p:sp>
+        <p:nvSpPr>
+          <p:cNvPr id="5" name="Rectangle 4">
+            <a:extLst>
+              <a:ext uri="{FF2B5EF4-FFF2-40B4-BE49-F238E27FC236}">
+                <a16:creationId xmlns:a16="http://schemas.microsoft.com/office/drawing/2014/main" id="{09455955-4DAF-AA14-2305-51BD449CE582}"/>
+              </a:ext>
+            </a:extLst>
+          </p:cNvPr>
+          <p:cNvSpPr/>
+          <p:nvPr/>
+        </p:nvSpPr>
+        <p:spPr>
+          <a:xfrm>
+            <a:off x="1867437" y="4134118"/>
+            <a:ext cx="4038600" cy="1442434"/>
+          </a:xfrm>
+          <a:prstGeom prst="rect">
+            <a:avLst/>
+          </a:prstGeom>
+        </p:spPr>
+        <p:style>
+          <a:lnRef idx="2">
+            <a:schemeClr val="accent4">
+              <a:shade val="50000"/>
+            </a:schemeClr>
+          </a:lnRef>
+          <a:fillRef idx="1">
+            <a:schemeClr val="accent4"/>
+          </a:fillRef>
+          <a:effectRef idx="0">
+            <a:schemeClr val="accent4"/>
+          </a:effectRef>
+          <a:fontRef idx="minor">
+            <a:schemeClr val="lt1"/>
+          </a:fontRef>
+        </p:style>
+        <p:txBody>
+          <a:bodyPr rtlCol="0" anchor="ctr"/>
+          <a:lstStyle/>
+          <a:p>
+            <a:pPr algn="ctr"/>
+            <a:r>
+              <a:rPr lang="en-US" dirty="0">
+                <a:ln w="0"/>
+                <a:solidFill>
+                  <a:schemeClr val="tx1"/>
+                </a:solidFill>
+                <a:effectLst>
+                  <a:outerShdw blurRad="38100" dist="19050" dir="2700000" algn="tl" rotWithShape="0">
+                    <a:schemeClr val="dk1">
+                      <a:alpha val="40000"/>
+                    </a:schemeClr>
+                  </a:outerShdw>
+                </a:effectLst>
+              </a:rPr>
+              <a:t>Inner</a:t>
+            </a:r>
+          </a:p>
+        </p:txBody>
+      </p:sp>
+    </p:spTree>
+    <p:extLst>
+      <p:ext uri="{BB962C8B-B14F-4D97-AF65-F5344CB8AC3E}">
+        <p14:creationId xmlns:p14="http://schemas.microsoft.com/office/powerpoint/2010/main" val="1409077443"/>
+      </p:ext>
+    </p:extLst>
+  </p:cSld>
+  <p:clrMapOvr>
+    <a:masterClrMapping/>
+  </p:clrMapOvr>
+</p:sld>
+</file>
+
+<file path=ppt/slides/slide47.xml><?xml version="1.0" encoding="utf-8"?>
+<p:sld xmlns:a="http://schemas.openxmlformats.org/drawingml/2006/main" xmlns:r="http://schemas.openxmlformats.org/officeDocument/2006/relationships" xmlns:p="http://schemas.openxmlformats.org/presentationml/2006/main">
+  <p:cSld>
+    <p:spTree>
+      <p:nvGrpSpPr>
+        <p:cNvPr id="1" name=""/>
+        <p:cNvGrpSpPr/>
+        <p:nvPr/>
+      </p:nvGrpSpPr>
+      <p:grpSpPr>
+        <a:xfrm>
+          <a:off x="0" y="0"/>
+          <a:ext cx="0" cy="0"/>
+          <a:chOff x="0" y="0"/>
+          <a:chExt cx="0" cy="0"/>
+        </a:xfrm>
+      </p:grpSpPr>
+      <p:sp>
+        <p:nvSpPr>
+          <p:cNvPr id="2" name="Title 1">
+            <a:extLst>
+              <a:ext uri="{FF2B5EF4-FFF2-40B4-BE49-F238E27FC236}">
+                <a16:creationId xmlns:a16="http://schemas.microsoft.com/office/drawing/2014/main" id="{5580394D-0574-46E3-13A1-27FC1E3E7F35}"/>
+              </a:ext>
+            </a:extLst>
+          </p:cNvPr>
+          <p:cNvSpPr>
+            <a:spLocks noGrp="1"/>
+          </p:cNvSpPr>
+          <p:nvPr>
+            <p:ph type="title"/>
+          </p:nvPr>
+        </p:nvSpPr>
+        <p:spPr/>
+        <p:txBody>
+          <a:bodyPr/>
+          <a:lstStyle/>
+          <a:p>
+            <a:r>
+              <a:rPr lang="en-US" dirty="0" err="1"/>
+              <a:t>RemoveEventListener</a:t>
+            </a:r>
+            <a:r>
+              <a:rPr lang="en-US" dirty="0"/>
+              <a:t>()</a:t>
+            </a:r>
+          </a:p>
+        </p:txBody>
+      </p:sp>
+      <p:sp>
+        <p:nvSpPr>
+          <p:cNvPr id="3" name="Content Placeholder 2">
+            <a:extLst>
+              <a:ext uri="{FF2B5EF4-FFF2-40B4-BE49-F238E27FC236}">
+                <a16:creationId xmlns:a16="http://schemas.microsoft.com/office/drawing/2014/main" id="{CE9C0615-4E00-F18F-F8B5-666CDBD64D9E}"/>
+              </a:ext>
+            </a:extLst>
+          </p:cNvPr>
+          <p:cNvSpPr>
+            <a:spLocks noGrp="1"/>
+          </p:cNvSpPr>
+          <p:nvPr>
+            <p:ph idx="1"/>
+          </p:nvPr>
+        </p:nvSpPr>
+        <p:spPr/>
+        <p:txBody>
+          <a:bodyPr/>
+          <a:lstStyle/>
+          <a:p>
+            <a:pPr marL="0" indent="0">
+              <a:buNone/>
+            </a:pPr>
+            <a:r>
+              <a:rPr lang="en-US" dirty="0" err="1"/>
+              <a:t>Element.removeEventListener</a:t>
+            </a:r>
+            <a:r>
+              <a:rPr lang="en-US" dirty="0"/>
+              <a:t>(“</a:t>
+            </a:r>
+            <a:r>
+              <a:rPr lang="en-US" dirty="0" err="1"/>
+              <a:t>ondblclick</a:t>
+            </a:r>
+            <a:r>
+              <a:rPr lang="en-US" dirty="0"/>
+              <a:t>”,</a:t>
+            </a:r>
+            <a:r>
+              <a:rPr lang="en-US" dirty="0" err="1"/>
+              <a:t>functionName</a:t>
+            </a:r>
+            <a:r>
+              <a:rPr lang="en-US" dirty="0"/>
+              <a:t>);</a:t>
+            </a:r>
+          </a:p>
+        </p:txBody>
+      </p:sp>
+    </p:spTree>
+    <p:extLst>
+      <p:ext uri="{BB962C8B-B14F-4D97-AF65-F5344CB8AC3E}">
+        <p14:creationId xmlns:p14="http://schemas.microsoft.com/office/powerpoint/2010/main" val="4098960083"/>
+      </p:ext>
+    </p:extLst>
+  </p:cSld>
+  <p:clrMapOvr>
+    <a:masterClrMapping/>
+  </p:clrMapOvr>
+</p:sld>
+</file>
+
+<file path=ppt/slides/slide48.xml><?xml version="1.0" encoding="utf-8"?>
+<p:sld xmlns:a="http://schemas.openxmlformats.org/drawingml/2006/main" xmlns:r="http://schemas.openxmlformats.org/officeDocument/2006/relationships" xmlns:p="http://schemas.openxmlformats.org/presentationml/2006/main">
+  <p:cSld>
+    <p:spTree>
+      <p:nvGrpSpPr>
+        <p:cNvPr id="1" name=""/>
+        <p:cNvGrpSpPr/>
+        <p:nvPr/>
+      </p:nvGrpSpPr>
+      <p:grpSpPr>
+        <a:xfrm>
+          <a:off x="0" y="0"/>
+          <a:ext cx="0" cy="0"/>
+          <a:chOff x="0" y="0"/>
+          <a:chExt cx="0" cy="0"/>
+        </a:xfrm>
+      </p:grpSpPr>
+      <p:sp>
+        <p:nvSpPr>
+          <p:cNvPr id="2" name="Title 1">
+            <a:extLst>
+              <a:ext uri="{FF2B5EF4-FFF2-40B4-BE49-F238E27FC236}">
+                <a16:creationId xmlns:a16="http://schemas.microsoft.com/office/drawing/2014/main" id="{37B29DE5-8CC5-520C-B08E-F6B53E8D2879}"/>
+              </a:ext>
+            </a:extLst>
+          </p:cNvPr>
+          <p:cNvSpPr>
+            <a:spLocks noGrp="1"/>
+          </p:cNvSpPr>
+          <p:nvPr>
+            <p:ph type="title"/>
+          </p:nvPr>
+        </p:nvSpPr>
+        <p:spPr/>
+        <p:txBody>
+          <a:bodyPr/>
+          <a:lstStyle/>
+          <a:p>
+            <a:r>
+              <a:rPr lang="en-US" dirty="0" err="1"/>
+              <a:t>classList</a:t>
+            </a:r>
+            <a:r>
+              <a:rPr lang="en-US" dirty="0"/>
+              <a:t> Methods:</a:t>
+            </a:r>
+          </a:p>
+        </p:txBody>
+      </p:sp>
+      <p:sp>
+        <p:nvSpPr>
+          <p:cNvPr id="3" name="Content Placeholder 2">
+            <a:extLst>
+              <a:ext uri="{FF2B5EF4-FFF2-40B4-BE49-F238E27FC236}">
+                <a16:creationId xmlns:a16="http://schemas.microsoft.com/office/drawing/2014/main" id="{82A98A2C-3099-40B0-05EF-462732615747}"/>
+              </a:ext>
+            </a:extLst>
+          </p:cNvPr>
+          <p:cNvSpPr>
+            <a:spLocks noGrp="1"/>
+          </p:cNvSpPr>
+          <p:nvPr>
+            <p:ph idx="1"/>
+          </p:nvPr>
+        </p:nvSpPr>
+        <p:spPr/>
+        <p:txBody>
+          <a:bodyPr/>
+          <a:lstStyle/>
+          <a:p>
+            <a:r>
+              <a:rPr lang="en-US" dirty="0"/>
+              <a:t>Add(class1, class2, ….)</a:t>
+            </a:r>
+          </a:p>
+          <a:p>
+            <a:r>
+              <a:rPr lang="en-US" dirty="0"/>
+              <a:t>Remove (class1, class2, …)</a:t>
+            </a:r>
+          </a:p>
+          <a:p>
+            <a:r>
+              <a:rPr lang="en-US" dirty="0"/>
+              <a:t>Toggle(class)</a:t>
+            </a:r>
+          </a:p>
+          <a:p>
+            <a:r>
+              <a:rPr lang="en-US" dirty="0"/>
+              <a:t>Contains(class)</a:t>
+            </a:r>
+          </a:p>
+          <a:p>
+            <a:r>
+              <a:rPr lang="en-US" dirty="0"/>
+              <a:t>Item(index)</a:t>
+            </a:r>
+          </a:p>
+          <a:p>
+            <a:r>
+              <a:rPr lang="en-US" dirty="0"/>
+              <a:t>length</a:t>
+            </a:r>
+          </a:p>
+        </p:txBody>
+      </p:sp>
+    </p:spTree>
+    <p:extLst>
+      <p:ext uri="{BB962C8B-B14F-4D97-AF65-F5344CB8AC3E}">
+        <p14:creationId xmlns:p14="http://schemas.microsoft.com/office/powerpoint/2010/main" val="2900205737"/>
+      </p:ext>
+    </p:extLst>
+  </p:cSld>
+  <p:clrMapOvr>
+    <a:masterClrMapping/>
+  </p:clrMapOvr>
+</p:sld>
+</file>
+
+<file path=ppt/slides/slide49.xml><?xml version="1.0" encoding="utf-8"?>
+<p:sld xmlns:a="http://schemas.openxmlformats.org/drawingml/2006/main" xmlns:r="http://schemas.openxmlformats.org/officeDocument/2006/relationships" xmlns:p="http://schemas.openxmlformats.org/presentationml/2006/main">
+  <p:cSld>
+    <p:spTree>
+      <p:nvGrpSpPr>
+        <p:cNvPr id="1" name=""/>
+        <p:cNvGrpSpPr/>
+        <p:nvPr/>
+      </p:nvGrpSpPr>
+      <p:grpSpPr>
+        <a:xfrm>
+          <a:off x="0" y="0"/>
+          <a:ext cx="0" cy="0"/>
+          <a:chOff x="0" y="0"/>
+          <a:chExt cx="0" cy="0"/>
+        </a:xfrm>
+      </p:grpSpPr>
+      <p:sp>
+        <p:nvSpPr>
+          <p:cNvPr id="2" name="Title 1">
+            <a:extLst>
+              <a:ext uri="{FF2B5EF4-FFF2-40B4-BE49-F238E27FC236}">
+                <a16:creationId xmlns:a16="http://schemas.microsoft.com/office/drawing/2014/main" id="{E0FEC401-9F77-1EC3-BCF6-2077E4B38607}"/>
+              </a:ext>
+            </a:extLst>
+          </p:cNvPr>
+          <p:cNvSpPr>
+            <a:spLocks noGrp="1"/>
+          </p:cNvSpPr>
+          <p:nvPr>
+            <p:ph type="title"/>
+          </p:nvPr>
+        </p:nvSpPr>
+        <p:spPr/>
+        <p:txBody>
+          <a:bodyPr/>
+          <a:lstStyle/>
+          <a:p>
+            <a:r>
+              <a:rPr lang="en-US" dirty="0"/>
+              <a:t>DOM Traversal Methods</a:t>
+            </a:r>
+          </a:p>
+        </p:txBody>
+      </p:sp>
+      <p:sp>
+        <p:nvSpPr>
+          <p:cNvPr id="3" name="Content Placeholder 2">
+            <a:extLst>
+              <a:ext uri="{FF2B5EF4-FFF2-40B4-BE49-F238E27FC236}">
+                <a16:creationId xmlns:a16="http://schemas.microsoft.com/office/drawing/2014/main" id="{EC19FDA9-4CAD-9718-117B-0DA4E06185E3}"/>
+              </a:ext>
+            </a:extLst>
+          </p:cNvPr>
+          <p:cNvSpPr>
+            <a:spLocks noGrp="1"/>
+          </p:cNvSpPr>
+          <p:nvPr>
+            <p:ph idx="1"/>
+          </p:nvPr>
+        </p:nvSpPr>
+        <p:spPr/>
+        <p:txBody>
+          <a:bodyPr numCol="2"/>
+          <a:lstStyle/>
+          <a:p>
+            <a:r>
+              <a:rPr lang="en-US" dirty="0" err="1"/>
+              <a:t>parentNode</a:t>
+            </a:r>
+            <a:endParaRPr lang="en-US" dirty="0"/>
+          </a:p>
+          <a:p>
+            <a:r>
+              <a:rPr lang="en-US" dirty="0" err="1"/>
+              <a:t>parentElement</a:t>
+            </a:r>
+            <a:endParaRPr lang="en-US" dirty="0"/>
+          </a:p>
+          <a:p>
+            <a:r>
+              <a:rPr lang="en-US" dirty="0"/>
+              <a:t>Children</a:t>
+            </a:r>
+          </a:p>
+          <a:p>
+            <a:r>
+              <a:rPr lang="en-US" dirty="0" err="1"/>
+              <a:t>childNodes</a:t>
+            </a:r>
+            <a:endParaRPr lang="en-US" dirty="0"/>
+          </a:p>
+          <a:p>
+            <a:r>
+              <a:rPr lang="en-US" dirty="0" err="1"/>
+              <a:t>firstChild</a:t>
+            </a:r>
+            <a:endParaRPr lang="en-US" dirty="0"/>
+          </a:p>
+          <a:p>
+            <a:r>
+              <a:rPr lang="en-US" dirty="0" err="1"/>
+              <a:t>firstElementChild</a:t>
+            </a:r>
+            <a:endParaRPr lang="en-US" dirty="0"/>
+          </a:p>
+          <a:p>
+            <a:r>
+              <a:rPr lang="en-US" dirty="0" err="1"/>
+              <a:t>Lastchild</a:t>
+            </a:r>
+            <a:endParaRPr lang="en-US" dirty="0"/>
+          </a:p>
+          <a:p>
+            <a:r>
+              <a:rPr lang="en-US" dirty="0" err="1"/>
+              <a:t>lastElementChild</a:t>
+            </a:r>
+            <a:endParaRPr lang="en-US" dirty="0"/>
+          </a:p>
+          <a:p>
+            <a:r>
+              <a:rPr lang="en-US" dirty="0" err="1"/>
+              <a:t>nextElementSibling</a:t>
+            </a:r>
+            <a:endParaRPr lang="en-US" dirty="0"/>
+          </a:p>
+          <a:p>
+            <a:r>
+              <a:rPr lang="en-US" dirty="0" err="1"/>
+              <a:t>nextSibling</a:t>
+            </a:r>
+            <a:endParaRPr lang="en-US" dirty="0"/>
+          </a:p>
+          <a:p>
+            <a:r>
+              <a:rPr lang="en-US" dirty="0" err="1"/>
+              <a:t>previousElementSibling</a:t>
+            </a:r>
+            <a:endParaRPr lang="en-US" dirty="0"/>
+          </a:p>
+          <a:p>
+            <a:r>
+              <a:rPr lang="en-US" dirty="0" err="1"/>
+              <a:t>PreviousSibling</a:t>
+            </a:r>
+            <a:endParaRPr lang="en-US" dirty="0"/>
+          </a:p>
+          <a:p>
+            <a:endParaRPr lang="en-US" dirty="0"/>
+          </a:p>
+        </p:txBody>
+      </p:sp>
+    </p:spTree>
+    <p:extLst>
+      <p:ext uri="{BB962C8B-B14F-4D97-AF65-F5344CB8AC3E}">
+        <p14:creationId xmlns:p14="http://schemas.microsoft.com/office/powerpoint/2010/main" val="1331476191"/>
       </p:ext>
     </p:extLst>
   </p:cSld>
@@ -10313,6 +10955,1080 @@
     <p:extLst>
       <p:ext uri="{BB962C8B-B14F-4D97-AF65-F5344CB8AC3E}">
         <p14:creationId xmlns:p14="http://schemas.microsoft.com/office/powerpoint/2010/main" val="2084579133"/>
+      </p:ext>
+    </p:extLst>
+  </p:cSld>
+  <p:clrMapOvr>
+    <a:masterClrMapping/>
+  </p:clrMapOvr>
+</p:sld>
+</file>
+
+<file path=ppt/slides/slide50.xml><?xml version="1.0" encoding="utf-8"?>
+<p:sld xmlns:a="http://schemas.openxmlformats.org/drawingml/2006/main" xmlns:r="http://schemas.openxmlformats.org/officeDocument/2006/relationships" xmlns:p="http://schemas.openxmlformats.org/presentationml/2006/main">
+  <p:cSld>
+    <p:spTree>
+      <p:nvGrpSpPr>
+        <p:cNvPr id="1" name=""/>
+        <p:cNvGrpSpPr/>
+        <p:nvPr/>
+      </p:nvGrpSpPr>
+      <p:grpSpPr>
+        <a:xfrm>
+          <a:off x="0" y="0"/>
+          <a:ext cx="0" cy="0"/>
+          <a:chOff x="0" y="0"/>
+          <a:chExt cx="0" cy="0"/>
+        </a:xfrm>
+      </p:grpSpPr>
+      <p:sp>
+        <p:nvSpPr>
+          <p:cNvPr id="2" name="Title 1">
+            <a:extLst>
+              <a:ext uri="{FF2B5EF4-FFF2-40B4-BE49-F238E27FC236}">
+                <a16:creationId xmlns:a16="http://schemas.microsoft.com/office/drawing/2014/main" id="{AFF3BFEC-7B24-A50C-3BB2-2B223C552841}"/>
+              </a:ext>
+            </a:extLst>
+          </p:cNvPr>
+          <p:cNvSpPr>
+            <a:spLocks noGrp="1"/>
+          </p:cNvSpPr>
+          <p:nvPr>
+            <p:ph type="title"/>
+          </p:nvPr>
+        </p:nvSpPr>
+        <p:spPr/>
+        <p:txBody>
+          <a:bodyPr/>
+          <a:lstStyle/>
+          <a:p>
+            <a:r>
+              <a:rPr lang="en-US" dirty="0"/>
+              <a:t>DOM Create Methods</a:t>
+            </a:r>
+          </a:p>
+        </p:txBody>
+      </p:sp>
+      <p:sp>
+        <p:nvSpPr>
+          <p:cNvPr id="3" name="Content Placeholder 2">
+            <a:extLst>
+              <a:ext uri="{FF2B5EF4-FFF2-40B4-BE49-F238E27FC236}">
+                <a16:creationId xmlns:a16="http://schemas.microsoft.com/office/drawing/2014/main" id="{0404501D-AAE8-E687-CF28-D5B14B68E5C9}"/>
+              </a:ext>
+            </a:extLst>
+          </p:cNvPr>
+          <p:cNvSpPr>
+            <a:spLocks noGrp="1"/>
+          </p:cNvSpPr>
+          <p:nvPr>
+            <p:ph idx="1"/>
+          </p:nvPr>
+        </p:nvSpPr>
+        <p:spPr/>
+        <p:txBody>
+          <a:bodyPr/>
+          <a:lstStyle/>
+          <a:p>
+            <a:r>
+              <a:rPr lang="en-US" dirty="0" err="1"/>
+              <a:t>createElement</a:t>
+            </a:r>
+            <a:endParaRPr lang="en-US" dirty="0"/>
+          </a:p>
+          <a:p>
+            <a:r>
+              <a:rPr lang="en-US" dirty="0" err="1"/>
+              <a:t>createTextNode</a:t>
+            </a:r>
+            <a:endParaRPr lang="en-US" dirty="0"/>
+          </a:p>
+          <a:p>
+            <a:r>
+              <a:rPr lang="en-US" dirty="0" err="1"/>
+              <a:t>createComment</a:t>
+            </a:r>
+            <a:endParaRPr lang="en-US" dirty="0"/>
+          </a:p>
+        </p:txBody>
+      </p:sp>
+      <p:sp>
+        <p:nvSpPr>
+          <p:cNvPr id="4" name="Rectangle 3">
+            <a:extLst>
+              <a:ext uri="{FF2B5EF4-FFF2-40B4-BE49-F238E27FC236}">
+                <a16:creationId xmlns:a16="http://schemas.microsoft.com/office/drawing/2014/main" id="{3C294AE7-2876-F74D-4E5E-BFF3DFD14FBB}"/>
+              </a:ext>
+            </a:extLst>
+          </p:cNvPr>
+          <p:cNvSpPr/>
+          <p:nvPr/>
+        </p:nvSpPr>
+        <p:spPr>
+          <a:xfrm>
+            <a:off x="1146220" y="4005330"/>
+            <a:ext cx="2498501" cy="901521"/>
+          </a:xfrm>
+          <a:prstGeom prst="rect">
+            <a:avLst/>
+          </a:prstGeom>
+        </p:spPr>
+        <p:style>
+          <a:lnRef idx="2">
+            <a:schemeClr val="accent1">
+              <a:shade val="50000"/>
+            </a:schemeClr>
+          </a:lnRef>
+          <a:fillRef idx="1">
+            <a:schemeClr val="accent1"/>
+          </a:fillRef>
+          <a:effectRef idx="0">
+            <a:schemeClr val="accent1"/>
+          </a:effectRef>
+          <a:fontRef idx="minor">
+            <a:schemeClr val="lt1"/>
+          </a:fontRef>
+        </p:style>
+        <p:txBody>
+          <a:bodyPr rtlCol="0" anchor="ctr"/>
+          <a:lstStyle/>
+          <a:p>
+            <a:pPr algn="ctr"/>
+            <a:r>
+              <a:rPr lang="en-US" dirty="0"/>
+              <a:t>Tag</a:t>
+            </a:r>
+          </a:p>
+        </p:txBody>
+      </p:sp>
+      <p:sp>
+        <p:nvSpPr>
+          <p:cNvPr id="5" name="Rectangle 4">
+            <a:extLst>
+              <a:ext uri="{FF2B5EF4-FFF2-40B4-BE49-F238E27FC236}">
+                <a16:creationId xmlns:a16="http://schemas.microsoft.com/office/drawing/2014/main" id="{1EAAA8B5-DE8B-4778-87AD-26A8C289C239}"/>
+              </a:ext>
+            </a:extLst>
+          </p:cNvPr>
+          <p:cNvSpPr/>
+          <p:nvPr/>
+        </p:nvSpPr>
+        <p:spPr>
+          <a:xfrm>
+            <a:off x="4378817" y="4001294"/>
+            <a:ext cx="2498501" cy="901521"/>
+          </a:xfrm>
+          <a:prstGeom prst="rect">
+            <a:avLst/>
+          </a:prstGeom>
+        </p:spPr>
+        <p:style>
+          <a:lnRef idx="2">
+            <a:schemeClr val="accent1">
+              <a:shade val="50000"/>
+            </a:schemeClr>
+          </a:lnRef>
+          <a:fillRef idx="1">
+            <a:schemeClr val="accent1"/>
+          </a:fillRef>
+          <a:effectRef idx="0">
+            <a:schemeClr val="accent1"/>
+          </a:effectRef>
+          <a:fontRef idx="minor">
+            <a:schemeClr val="lt1"/>
+          </a:fontRef>
+        </p:style>
+        <p:txBody>
+          <a:bodyPr rtlCol="0" anchor="ctr"/>
+          <a:lstStyle/>
+          <a:p>
+            <a:pPr algn="ctr"/>
+            <a:r>
+              <a:rPr lang="en-US" dirty="0"/>
+              <a:t>Text</a:t>
+            </a:r>
+          </a:p>
+        </p:txBody>
+      </p:sp>
+      <p:sp>
+        <p:nvSpPr>
+          <p:cNvPr id="6" name="Rectangle 5">
+            <a:extLst>
+              <a:ext uri="{FF2B5EF4-FFF2-40B4-BE49-F238E27FC236}">
+                <a16:creationId xmlns:a16="http://schemas.microsoft.com/office/drawing/2014/main" id="{34BC0C1C-A0CE-8E6C-1824-29A9DFC0C75A}"/>
+              </a:ext>
+            </a:extLst>
+          </p:cNvPr>
+          <p:cNvSpPr/>
+          <p:nvPr/>
+        </p:nvSpPr>
+        <p:spPr>
+          <a:xfrm>
+            <a:off x="7973097" y="4023016"/>
+            <a:ext cx="2498501" cy="901521"/>
+          </a:xfrm>
+          <a:prstGeom prst="rect">
+            <a:avLst/>
+          </a:prstGeom>
+        </p:spPr>
+        <p:style>
+          <a:lnRef idx="2">
+            <a:schemeClr val="accent1">
+              <a:shade val="50000"/>
+            </a:schemeClr>
+          </a:lnRef>
+          <a:fillRef idx="1">
+            <a:schemeClr val="accent1"/>
+          </a:fillRef>
+          <a:effectRef idx="0">
+            <a:schemeClr val="accent1"/>
+          </a:effectRef>
+          <a:fontRef idx="minor">
+            <a:schemeClr val="lt1"/>
+          </a:fontRef>
+        </p:style>
+        <p:txBody>
+          <a:bodyPr rtlCol="0" anchor="ctr"/>
+          <a:lstStyle/>
+          <a:p>
+            <a:pPr algn="ctr"/>
+            <a:r>
+              <a:rPr lang="en-US" dirty="0" err="1"/>
+              <a:t>TextComment</a:t>
+            </a:r>
+            <a:endParaRPr lang="en-US" dirty="0"/>
+          </a:p>
+        </p:txBody>
+      </p:sp>
+    </p:spTree>
+    <p:extLst>
+      <p:ext uri="{BB962C8B-B14F-4D97-AF65-F5344CB8AC3E}">
+        <p14:creationId xmlns:p14="http://schemas.microsoft.com/office/powerpoint/2010/main" val="1752198914"/>
+      </p:ext>
+    </p:extLst>
+  </p:cSld>
+  <p:clrMapOvr>
+    <a:masterClrMapping/>
+  </p:clrMapOvr>
+</p:sld>
+</file>
+
+<file path=ppt/slides/slide51.xml><?xml version="1.0" encoding="utf-8"?>
+<p:sld xmlns:a="http://schemas.openxmlformats.org/drawingml/2006/main" xmlns:r="http://schemas.openxmlformats.org/officeDocument/2006/relationships" xmlns:p="http://schemas.openxmlformats.org/presentationml/2006/main">
+  <p:cSld>
+    <p:spTree>
+      <p:nvGrpSpPr>
+        <p:cNvPr id="1" name=""/>
+        <p:cNvGrpSpPr/>
+        <p:nvPr/>
+      </p:nvGrpSpPr>
+      <p:grpSpPr>
+        <a:xfrm>
+          <a:off x="0" y="0"/>
+          <a:ext cx="0" cy="0"/>
+          <a:chOff x="0" y="0"/>
+          <a:chExt cx="0" cy="0"/>
+        </a:xfrm>
+      </p:grpSpPr>
+      <p:sp>
+        <p:nvSpPr>
+          <p:cNvPr id="2" name="Title 1">
+            <a:extLst>
+              <a:ext uri="{FF2B5EF4-FFF2-40B4-BE49-F238E27FC236}">
+                <a16:creationId xmlns:a16="http://schemas.microsoft.com/office/drawing/2014/main" id="{E60476C3-7FB1-CEF1-5289-4212E9957128}"/>
+              </a:ext>
+            </a:extLst>
+          </p:cNvPr>
+          <p:cNvSpPr>
+            <a:spLocks noGrp="1"/>
+          </p:cNvSpPr>
+          <p:nvPr>
+            <p:ph type="title"/>
+          </p:nvPr>
+        </p:nvSpPr>
+        <p:spPr/>
+        <p:txBody>
+          <a:bodyPr/>
+          <a:lstStyle/>
+          <a:p>
+            <a:r>
+              <a:rPr lang="en-US" dirty="0"/>
+              <a:t>DOM: Append Methods</a:t>
+            </a:r>
+          </a:p>
+        </p:txBody>
+      </p:sp>
+      <p:sp>
+        <p:nvSpPr>
+          <p:cNvPr id="3" name="Content Placeholder 2">
+            <a:extLst>
+              <a:ext uri="{FF2B5EF4-FFF2-40B4-BE49-F238E27FC236}">
+                <a16:creationId xmlns:a16="http://schemas.microsoft.com/office/drawing/2014/main" id="{8D944168-8736-99C9-84B0-C435950671AD}"/>
+              </a:ext>
+            </a:extLst>
+          </p:cNvPr>
+          <p:cNvSpPr>
+            <a:spLocks noGrp="1"/>
+          </p:cNvSpPr>
+          <p:nvPr>
+            <p:ph idx="1"/>
+          </p:nvPr>
+        </p:nvSpPr>
+        <p:spPr/>
+        <p:txBody>
+          <a:bodyPr/>
+          <a:lstStyle/>
+          <a:p>
+            <a:r>
+              <a:rPr lang="en-US" dirty="0" err="1"/>
+              <a:t>appendChild</a:t>
+            </a:r>
+            <a:endParaRPr lang="en-US" dirty="0"/>
+          </a:p>
+          <a:p>
+            <a:r>
+              <a:rPr lang="en-US" dirty="0" err="1"/>
+              <a:t>insertBefore</a:t>
+            </a:r>
+            <a:endParaRPr lang="en-US" dirty="0"/>
+          </a:p>
+        </p:txBody>
+      </p:sp>
+      <p:sp>
+        <p:nvSpPr>
+          <p:cNvPr id="4" name="Rectangle 3">
+            <a:extLst>
+              <a:ext uri="{FF2B5EF4-FFF2-40B4-BE49-F238E27FC236}">
+                <a16:creationId xmlns:a16="http://schemas.microsoft.com/office/drawing/2014/main" id="{690232CB-A246-3526-22C4-D7EF7E817FC6}"/>
+              </a:ext>
+            </a:extLst>
+          </p:cNvPr>
+          <p:cNvSpPr/>
+          <p:nvPr/>
+        </p:nvSpPr>
+        <p:spPr>
+          <a:xfrm>
+            <a:off x="3129567" y="2978239"/>
+            <a:ext cx="2498501" cy="901521"/>
+          </a:xfrm>
+          <a:prstGeom prst="rect">
+            <a:avLst/>
+          </a:prstGeom>
+        </p:spPr>
+        <p:style>
+          <a:lnRef idx="2">
+            <a:schemeClr val="accent1">
+              <a:shade val="50000"/>
+            </a:schemeClr>
+          </a:lnRef>
+          <a:fillRef idx="1">
+            <a:schemeClr val="accent1"/>
+          </a:fillRef>
+          <a:effectRef idx="0">
+            <a:schemeClr val="accent1"/>
+          </a:effectRef>
+          <a:fontRef idx="minor">
+            <a:schemeClr val="lt1"/>
+          </a:fontRef>
+        </p:style>
+        <p:txBody>
+          <a:bodyPr rtlCol="0" anchor="ctr"/>
+          <a:lstStyle/>
+          <a:p>
+            <a:pPr algn="ctr"/>
+            <a:r>
+              <a:rPr lang="en-US" dirty="0"/>
+              <a:t>Tag</a:t>
+            </a:r>
+          </a:p>
+        </p:txBody>
+      </p:sp>
+      <p:sp>
+        <p:nvSpPr>
+          <p:cNvPr id="5" name="Rectangle 4">
+            <a:extLst>
+              <a:ext uri="{FF2B5EF4-FFF2-40B4-BE49-F238E27FC236}">
+                <a16:creationId xmlns:a16="http://schemas.microsoft.com/office/drawing/2014/main" id="{D80D032B-2B2D-F4A6-2BD2-784F6C1340F8}"/>
+              </a:ext>
+            </a:extLst>
+          </p:cNvPr>
+          <p:cNvSpPr/>
+          <p:nvPr/>
+        </p:nvSpPr>
+        <p:spPr>
+          <a:xfrm>
+            <a:off x="6362164" y="2974203"/>
+            <a:ext cx="2498501" cy="901521"/>
+          </a:xfrm>
+          <a:prstGeom prst="rect">
+            <a:avLst/>
+          </a:prstGeom>
+        </p:spPr>
+        <p:style>
+          <a:lnRef idx="2">
+            <a:schemeClr val="accent1">
+              <a:shade val="50000"/>
+            </a:schemeClr>
+          </a:lnRef>
+          <a:fillRef idx="1">
+            <a:schemeClr val="accent1"/>
+          </a:fillRef>
+          <a:effectRef idx="0">
+            <a:schemeClr val="accent1"/>
+          </a:effectRef>
+          <a:fontRef idx="minor">
+            <a:schemeClr val="lt1"/>
+          </a:fontRef>
+        </p:style>
+        <p:txBody>
+          <a:bodyPr rtlCol="0" anchor="ctr"/>
+          <a:lstStyle/>
+          <a:p>
+            <a:pPr algn="ctr"/>
+            <a:r>
+              <a:rPr lang="en-US" dirty="0"/>
+              <a:t>Text</a:t>
+            </a:r>
+          </a:p>
+        </p:txBody>
+      </p:sp>
+      <p:sp>
+        <p:nvSpPr>
+          <p:cNvPr id="6" name="Arrow: Curved Up 5">
+            <a:extLst>
+              <a:ext uri="{FF2B5EF4-FFF2-40B4-BE49-F238E27FC236}">
+                <a16:creationId xmlns:a16="http://schemas.microsoft.com/office/drawing/2014/main" id="{FBB6883E-83C2-71E7-E9A5-1213A29C14B4}"/>
+              </a:ext>
+            </a:extLst>
+          </p:cNvPr>
+          <p:cNvSpPr/>
+          <p:nvPr/>
+        </p:nvSpPr>
+        <p:spPr>
+          <a:xfrm flipH="1">
+            <a:off x="4662152" y="4185634"/>
+            <a:ext cx="2653048" cy="1133341"/>
+          </a:xfrm>
+          <a:prstGeom prst="curvedUpArrow">
+            <a:avLst/>
+          </a:prstGeom>
+        </p:spPr>
+        <p:style>
+          <a:lnRef idx="2">
+            <a:schemeClr val="accent1">
+              <a:shade val="50000"/>
+            </a:schemeClr>
+          </a:lnRef>
+          <a:fillRef idx="1">
+            <a:schemeClr val="accent1"/>
+          </a:fillRef>
+          <a:effectRef idx="0">
+            <a:schemeClr val="accent1"/>
+          </a:effectRef>
+          <a:fontRef idx="minor">
+            <a:schemeClr val="lt1"/>
+          </a:fontRef>
+        </p:style>
+        <p:txBody>
+          <a:bodyPr rtlCol="0" anchor="ctr"/>
+          <a:lstStyle/>
+          <a:p>
+            <a:pPr algn="ctr"/>
+            <a:endParaRPr lang="en-US">
+              <a:solidFill>
+                <a:schemeClr val="tx1"/>
+              </a:solidFill>
+            </a:endParaRPr>
+          </a:p>
+        </p:txBody>
+      </p:sp>
+      <p:sp>
+        <p:nvSpPr>
+          <p:cNvPr id="7" name="TextBox 6">
+            <a:extLst>
+              <a:ext uri="{FF2B5EF4-FFF2-40B4-BE49-F238E27FC236}">
+                <a16:creationId xmlns:a16="http://schemas.microsoft.com/office/drawing/2014/main" id="{40670249-3A67-7A81-5C74-AB58F67B4C5B}"/>
+              </a:ext>
+            </a:extLst>
+          </p:cNvPr>
+          <p:cNvSpPr txBox="1"/>
+          <p:nvPr/>
+        </p:nvSpPr>
+        <p:spPr>
+          <a:xfrm>
+            <a:off x="5628068" y="5705341"/>
+            <a:ext cx="1370888" cy="369332"/>
+          </a:xfrm>
+          <a:prstGeom prst="rect">
+            <a:avLst/>
+          </a:prstGeom>
+          <a:noFill/>
+        </p:spPr>
+        <p:txBody>
+          <a:bodyPr wrap="none" rtlCol="0">
+            <a:spAutoFit/>
+          </a:bodyPr>
+          <a:lstStyle/>
+          <a:p>
+            <a:r>
+              <a:rPr lang="en-US" dirty="0" err="1"/>
+              <a:t>appendChild</a:t>
+            </a:r>
+            <a:endParaRPr lang="en-US" dirty="0"/>
+          </a:p>
+        </p:txBody>
+      </p:sp>
+    </p:spTree>
+    <p:extLst>
+      <p:ext uri="{BB962C8B-B14F-4D97-AF65-F5344CB8AC3E}">
+        <p14:creationId xmlns:p14="http://schemas.microsoft.com/office/powerpoint/2010/main" val="1184758747"/>
+      </p:ext>
+    </p:extLst>
+  </p:cSld>
+  <p:clrMapOvr>
+    <a:masterClrMapping/>
+  </p:clrMapOvr>
+</p:sld>
+</file>
+
+<file path=ppt/slides/slide52.xml><?xml version="1.0" encoding="utf-8"?>
+<p:sld xmlns:a="http://schemas.openxmlformats.org/drawingml/2006/main" xmlns:r="http://schemas.openxmlformats.org/officeDocument/2006/relationships" xmlns:p="http://schemas.openxmlformats.org/presentationml/2006/main">
+  <p:cSld>
+    <p:spTree>
+      <p:nvGrpSpPr>
+        <p:cNvPr id="1" name=""/>
+        <p:cNvGrpSpPr/>
+        <p:nvPr/>
+      </p:nvGrpSpPr>
+      <p:grpSpPr>
+        <a:xfrm>
+          <a:off x="0" y="0"/>
+          <a:ext cx="0" cy="0"/>
+          <a:chOff x="0" y="0"/>
+          <a:chExt cx="0" cy="0"/>
+        </a:xfrm>
+      </p:grpSpPr>
+      <p:sp>
+        <p:nvSpPr>
+          <p:cNvPr id="2" name="Title 1">
+            <a:extLst>
+              <a:ext uri="{FF2B5EF4-FFF2-40B4-BE49-F238E27FC236}">
+                <a16:creationId xmlns:a16="http://schemas.microsoft.com/office/drawing/2014/main" id="{2C2AC7CC-E4ED-18EC-4494-A738A72ED428}"/>
+              </a:ext>
+            </a:extLst>
+          </p:cNvPr>
+          <p:cNvSpPr>
+            <a:spLocks noGrp="1"/>
+          </p:cNvSpPr>
+          <p:nvPr>
+            <p:ph type="title"/>
+          </p:nvPr>
+        </p:nvSpPr>
+        <p:spPr/>
+        <p:txBody>
+          <a:bodyPr/>
+          <a:lstStyle/>
+          <a:p>
+            <a:r>
+              <a:rPr lang="en-US" dirty="0"/>
+              <a:t>DOM Append Methods:</a:t>
+            </a:r>
+          </a:p>
+        </p:txBody>
+      </p:sp>
+      <p:sp>
+        <p:nvSpPr>
+          <p:cNvPr id="3" name="Content Placeholder 2">
+            <a:extLst>
+              <a:ext uri="{FF2B5EF4-FFF2-40B4-BE49-F238E27FC236}">
+                <a16:creationId xmlns:a16="http://schemas.microsoft.com/office/drawing/2014/main" id="{149F5DEC-934D-1D0D-DAE3-BF693CED59FA}"/>
+              </a:ext>
+            </a:extLst>
+          </p:cNvPr>
+          <p:cNvSpPr>
+            <a:spLocks noGrp="1"/>
+          </p:cNvSpPr>
+          <p:nvPr>
+            <p:ph idx="1"/>
+          </p:nvPr>
+        </p:nvSpPr>
+        <p:spPr>
+          <a:xfrm>
+            <a:off x="838200" y="1825625"/>
+            <a:ext cx="4364865" cy="4351338"/>
+          </a:xfrm>
+        </p:spPr>
+        <p:txBody>
+          <a:bodyPr/>
+          <a:lstStyle/>
+          <a:p>
+            <a:r>
+              <a:rPr lang="en-US" dirty="0" err="1"/>
+              <a:t>appendChild</a:t>
+            </a:r>
+            <a:endParaRPr lang="en-US" dirty="0"/>
+          </a:p>
+          <a:p>
+            <a:r>
+              <a:rPr lang="en-US" dirty="0" err="1"/>
+              <a:t>insertBefore</a:t>
+            </a:r>
+            <a:endParaRPr lang="en-US" dirty="0"/>
+          </a:p>
+          <a:p>
+            <a:pPr marL="0" indent="0">
+              <a:buNone/>
+            </a:pPr>
+            <a:endParaRPr lang="en-US" dirty="0"/>
+          </a:p>
+          <a:p>
+            <a:pPr marL="0" indent="0">
+              <a:buNone/>
+            </a:pPr>
+            <a:endParaRPr lang="en-US" dirty="0"/>
+          </a:p>
+          <a:p>
+            <a:r>
+              <a:rPr lang="en-US" dirty="0" err="1"/>
+              <a:t>insertAdjacentElement</a:t>
+            </a:r>
+            <a:endParaRPr lang="en-US" dirty="0"/>
+          </a:p>
+          <a:p>
+            <a:r>
+              <a:rPr lang="en-US" dirty="0" err="1"/>
+              <a:t>insertAdjacentHTML</a:t>
+            </a:r>
+            <a:endParaRPr lang="en-US" dirty="0"/>
+          </a:p>
+          <a:p>
+            <a:r>
+              <a:rPr lang="en-US" dirty="0" err="1"/>
+              <a:t>insertAdjacentText</a:t>
+            </a:r>
+            <a:endParaRPr lang="en-US" dirty="0"/>
+          </a:p>
+        </p:txBody>
+      </p:sp>
+      <p:cxnSp>
+        <p:nvCxnSpPr>
+          <p:cNvPr id="5" name="Straight Arrow Connector 4">
+            <a:extLst>
+              <a:ext uri="{FF2B5EF4-FFF2-40B4-BE49-F238E27FC236}">
+                <a16:creationId xmlns:a16="http://schemas.microsoft.com/office/drawing/2014/main" id="{ADECBBBF-2DE3-AA0B-BAB0-9FAD627E43E5}"/>
+              </a:ext>
+            </a:extLst>
+          </p:cNvPr>
+          <p:cNvCxnSpPr/>
+          <p:nvPr/>
+        </p:nvCxnSpPr>
+        <p:spPr>
+          <a:xfrm>
+            <a:off x="4610637" y="1825625"/>
+            <a:ext cx="0" cy="737271"/>
+          </a:xfrm>
+          <a:prstGeom prst="straightConnector1">
+            <a:avLst/>
+          </a:prstGeom>
+          <a:ln>
+            <a:headEnd type="triangle"/>
+            <a:tailEnd type="triangle"/>
+          </a:ln>
+        </p:spPr>
+        <p:style>
+          <a:lnRef idx="1">
+            <a:schemeClr val="accent1"/>
+          </a:lnRef>
+          <a:fillRef idx="0">
+            <a:schemeClr val="accent1"/>
+          </a:fillRef>
+          <a:effectRef idx="0">
+            <a:schemeClr val="accent1"/>
+          </a:effectRef>
+          <a:fontRef idx="minor">
+            <a:schemeClr val="tx1"/>
+          </a:fontRef>
+        </p:style>
+      </p:cxnSp>
+      <p:sp>
+        <p:nvSpPr>
+          <p:cNvPr id="6" name="TextBox 5">
+            <a:extLst>
+              <a:ext uri="{FF2B5EF4-FFF2-40B4-BE49-F238E27FC236}">
+                <a16:creationId xmlns:a16="http://schemas.microsoft.com/office/drawing/2014/main" id="{F722B79A-5269-79F7-0168-4B86F4E9A2E5}"/>
+              </a:ext>
+            </a:extLst>
+          </p:cNvPr>
+          <p:cNvSpPr txBox="1"/>
+          <p:nvPr/>
+        </p:nvSpPr>
+        <p:spPr>
+          <a:xfrm>
+            <a:off x="5022760" y="2009594"/>
+            <a:ext cx="1404552" cy="369332"/>
+          </a:xfrm>
+          <a:prstGeom prst="rect">
+            <a:avLst/>
+          </a:prstGeom>
+          <a:noFill/>
+        </p:spPr>
+        <p:txBody>
+          <a:bodyPr wrap="none" rtlCol="0">
+            <a:spAutoFit/>
+          </a:bodyPr>
+          <a:lstStyle/>
+          <a:p>
+            <a:r>
+              <a:rPr lang="en-US" dirty="0"/>
+              <a:t>Only Append</a:t>
+            </a:r>
+          </a:p>
+        </p:txBody>
+      </p:sp>
+      <p:cxnSp>
+        <p:nvCxnSpPr>
+          <p:cNvPr id="7" name="Straight Arrow Connector 6">
+            <a:extLst>
+              <a:ext uri="{FF2B5EF4-FFF2-40B4-BE49-F238E27FC236}">
+                <a16:creationId xmlns:a16="http://schemas.microsoft.com/office/drawing/2014/main" id="{6AD799E6-CB6F-FF2F-C0DF-740CBBD81F86}"/>
+              </a:ext>
+            </a:extLst>
+          </p:cNvPr>
+          <p:cNvCxnSpPr>
+            <a:cxnSpLocks/>
+          </p:cNvCxnSpPr>
+          <p:nvPr/>
+        </p:nvCxnSpPr>
+        <p:spPr>
+          <a:xfrm>
+            <a:off x="4829578" y="4001294"/>
+            <a:ext cx="0" cy="1184857"/>
+          </a:xfrm>
+          <a:prstGeom prst="straightConnector1">
+            <a:avLst/>
+          </a:prstGeom>
+          <a:ln>
+            <a:headEnd type="triangle"/>
+            <a:tailEnd type="triangle"/>
+          </a:ln>
+        </p:spPr>
+        <p:style>
+          <a:lnRef idx="1">
+            <a:schemeClr val="accent1"/>
+          </a:lnRef>
+          <a:fillRef idx="0">
+            <a:schemeClr val="accent1"/>
+          </a:fillRef>
+          <a:effectRef idx="0">
+            <a:schemeClr val="accent1"/>
+          </a:effectRef>
+          <a:fontRef idx="minor">
+            <a:schemeClr val="tx1"/>
+          </a:fontRef>
+        </p:style>
+      </p:cxnSp>
+      <p:sp>
+        <p:nvSpPr>
+          <p:cNvPr id="9" name="TextBox 8">
+            <a:extLst>
+              <a:ext uri="{FF2B5EF4-FFF2-40B4-BE49-F238E27FC236}">
+                <a16:creationId xmlns:a16="http://schemas.microsoft.com/office/drawing/2014/main" id="{46C4463A-3885-9917-BC79-22346A11AD9E}"/>
+              </a:ext>
+            </a:extLst>
+          </p:cNvPr>
+          <p:cNvSpPr txBox="1"/>
+          <p:nvPr/>
+        </p:nvSpPr>
+        <p:spPr>
+          <a:xfrm>
+            <a:off x="5104327" y="4409056"/>
+            <a:ext cx="1797672" cy="369332"/>
+          </a:xfrm>
+          <a:prstGeom prst="rect">
+            <a:avLst/>
+          </a:prstGeom>
+          <a:noFill/>
+        </p:spPr>
+        <p:txBody>
+          <a:bodyPr wrap="none" rtlCol="0">
+            <a:spAutoFit/>
+          </a:bodyPr>
+          <a:lstStyle/>
+          <a:p>
+            <a:r>
+              <a:rPr lang="en-US" dirty="0"/>
+              <a:t>Create &amp; Append</a:t>
+            </a:r>
+          </a:p>
+        </p:txBody>
+      </p:sp>
+      <p:sp>
+        <p:nvSpPr>
+          <p:cNvPr id="10" name="Rectangle 9">
+            <a:extLst>
+              <a:ext uri="{FF2B5EF4-FFF2-40B4-BE49-F238E27FC236}">
+                <a16:creationId xmlns:a16="http://schemas.microsoft.com/office/drawing/2014/main" id="{39FB71DF-3EA2-EC81-4A4D-62481460692A}"/>
+              </a:ext>
+            </a:extLst>
+          </p:cNvPr>
+          <p:cNvSpPr/>
+          <p:nvPr/>
+        </p:nvSpPr>
+        <p:spPr>
+          <a:xfrm>
+            <a:off x="1081825" y="5602310"/>
+            <a:ext cx="2369713" cy="709590"/>
+          </a:xfrm>
+          <a:prstGeom prst="rect">
+            <a:avLst/>
+          </a:prstGeom>
+        </p:spPr>
+        <p:style>
+          <a:lnRef idx="2">
+            <a:schemeClr val="accent1">
+              <a:shade val="50000"/>
+            </a:schemeClr>
+          </a:lnRef>
+          <a:fillRef idx="1">
+            <a:schemeClr val="accent1"/>
+          </a:fillRef>
+          <a:effectRef idx="0">
+            <a:schemeClr val="accent1"/>
+          </a:effectRef>
+          <a:fontRef idx="minor">
+            <a:schemeClr val="lt1"/>
+          </a:fontRef>
+        </p:style>
+        <p:txBody>
+          <a:bodyPr rtlCol="0" anchor="ctr"/>
+          <a:lstStyle/>
+          <a:p>
+            <a:pPr algn="ctr"/>
+            <a:r>
+              <a:rPr lang="en-US" dirty="0"/>
+              <a:t>Tag</a:t>
+            </a:r>
+          </a:p>
+        </p:txBody>
+      </p:sp>
+      <p:sp>
+        <p:nvSpPr>
+          <p:cNvPr id="11" name="Rectangle 10">
+            <a:extLst>
+              <a:ext uri="{FF2B5EF4-FFF2-40B4-BE49-F238E27FC236}">
+                <a16:creationId xmlns:a16="http://schemas.microsoft.com/office/drawing/2014/main" id="{B9DD45A6-29AC-C83D-5386-5B3E9AC3C1E6}"/>
+              </a:ext>
+            </a:extLst>
+          </p:cNvPr>
+          <p:cNvSpPr/>
+          <p:nvPr/>
+        </p:nvSpPr>
+        <p:spPr>
+          <a:xfrm>
+            <a:off x="4540179" y="5530643"/>
+            <a:ext cx="2369713" cy="709590"/>
+          </a:xfrm>
+          <a:prstGeom prst="rect">
+            <a:avLst/>
+          </a:prstGeom>
+        </p:spPr>
+        <p:style>
+          <a:lnRef idx="2">
+            <a:schemeClr val="accent1">
+              <a:shade val="50000"/>
+            </a:schemeClr>
+          </a:lnRef>
+          <a:fillRef idx="1">
+            <a:schemeClr val="accent1"/>
+          </a:fillRef>
+          <a:effectRef idx="0">
+            <a:schemeClr val="accent1"/>
+          </a:effectRef>
+          <a:fontRef idx="minor">
+            <a:schemeClr val="lt1"/>
+          </a:fontRef>
+        </p:style>
+        <p:txBody>
+          <a:bodyPr rtlCol="0" anchor="ctr"/>
+          <a:lstStyle/>
+          <a:p>
+            <a:pPr algn="ctr"/>
+            <a:r>
+              <a:rPr lang="en-US" dirty="0"/>
+              <a:t>Tag with Text</a:t>
+            </a:r>
+          </a:p>
+        </p:txBody>
+      </p:sp>
+      <p:sp>
+        <p:nvSpPr>
+          <p:cNvPr id="12" name="Rectangle 11">
+            <a:extLst>
+              <a:ext uri="{FF2B5EF4-FFF2-40B4-BE49-F238E27FC236}">
+                <a16:creationId xmlns:a16="http://schemas.microsoft.com/office/drawing/2014/main" id="{73FAF53C-2106-0231-2665-DB017BC003E8}"/>
+              </a:ext>
+            </a:extLst>
+          </p:cNvPr>
+          <p:cNvSpPr/>
+          <p:nvPr/>
+        </p:nvSpPr>
+        <p:spPr>
+          <a:xfrm>
+            <a:off x="7998533" y="5514157"/>
+            <a:ext cx="2369713" cy="709590"/>
+          </a:xfrm>
+          <a:prstGeom prst="rect">
+            <a:avLst/>
+          </a:prstGeom>
+        </p:spPr>
+        <p:style>
+          <a:lnRef idx="2">
+            <a:schemeClr val="accent1">
+              <a:shade val="50000"/>
+            </a:schemeClr>
+          </a:lnRef>
+          <a:fillRef idx="1">
+            <a:schemeClr val="accent1"/>
+          </a:fillRef>
+          <a:effectRef idx="0">
+            <a:schemeClr val="accent1"/>
+          </a:effectRef>
+          <a:fontRef idx="minor">
+            <a:schemeClr val="lt1"/>
+          </a:fontRef>
+        </p:style>
+        <p:txBody>
+          <a:bodyPr rtlCol="0" anchor="ctr"/>
+          <a:lstStyle/>
+          <a:p>
+            <a:pPr algn="ctr"/>
+            <a:r>
+              <a:rPr lang="en-US" dirty="0"/>
+              <a:t>Text</a:t>
+            </a:r>
+          </a:p>
+        </p:txBody>
+      </p:sp>
+    </p:spTree>
+    <p:extLst>
+      <p:ext uri="{BB962C8B-B14F-4D97-AF65-F5344CB8AC3E}">
+        <p14:creationId xmlns:p14="http://schemas.microsoft.com/office/powerpoint/2010/main" val="2126091264"/>
+      </p:ext>
+    </p:extLst>
+  </p:cSld>
+  <p:clrMapOvr>
+    <a:masterClrMapping/>
+  </p:clrMapOvr>
+</p:sld>
+</file>
+
+<file path=ppt/slides/slide53.xml><?xml version="1.0" encoding="utf-8"?>
+<p:sld xmlns:a="http://schemas.openxmlformats.org/drawingml/2006/main" xmlns:r="http://schemas.openxmlformats.org/officeDocument/2006/relationships" xmlns:p="http://schemas.openxmlformats.org/presentationml/2006/main">
+  <p:cSld>
+    <p:spTree>
+      <p:nvGrpSpPr>
+        <p:cNvPr id="1" name=""/>
+        <p:cNvGrpSpPr/>
+        <p:nvPr/>
+      </p:nvGrpSpPr>
+      <p:grpSpPr>
+        <a:xfrm>
+          <a:off x="0" y="0"/>
+          <a:ext cx="0" cy="0"/>
+          <a:chOff x="0" y="0"/>
+          <a:chExt cx="0" cy="0"/>
+        </a:xfrm>
+      </p:grpSpPr>
+      <p:sp>
+        <p:nvSpPr>
+          <p:cNvPr id="2" name="Title 1">
+            <a:extLst>
+              <a:ext uri="{FF2B5EF4-FFF2-40B4-BE49-F238E27FC236}">
+                <a16:creationId xmlns:a16="http://schemas.microsoft.com/office/drawing/2014/main" id="{009BDC16-BE21-EE6A-851C-921805626D51}"/>
+              </a:ext>
+            </a:extLst>
+          </p:cNvPr>
+          <p:cNvSpPr>
+            <a:spLocks noGrp="1"/>
+          </p:cNvSpPr>
+          <p:nvPr>
+            <p:ph type="title"/>
+          </p:nvPr>
+        </p:nvSpPr>
+        <p:spPr/>
+        <p:txBody>
+          <a:bodyPr/>
+          <a:lstStyle/>
+          <a:p>
+            <a:r>
+              <a:rPr lang="en-US" dirty="0"/>
+              <a:t>DOM </a:t>
+            </a:r>
+            <a:r>
+              <a:rPr lang="en-US" dirty="0" err="1"/>
+              <a:t>insertAdjacent</a:t>
+            </a:r>
+            <a:r>
+              <a:rPr lang="en-US" dirty="0"/>
+              <a:t> Positions</a:t>
+            </a:r>
+          </a:p>
+        </p:txBody>
+      </p:sp>
+      <p:sp>
+        <p:nvSpPr>
+          <p:cNvPr id="3" name="Content Placeholder 2">
+            <a:extLst>
+              <a:ext uri="{FF2B5EF4-FFF2-40B4-BE49-F238E27FC236}">
+                <a16:creationId xmlns:a16="http://schemas.microsoft.com/office/drawing/2014/main" id="{FCD6AD56-3A26-C9DB-29D2-1E01861FE182}"/>
+              </a:ext>
+            </a:extLst>
+          </p:cNvPr>
+          <p:cNvSpPr>
+            <a:spLocks noGrp="1"/>
+          </p:cNvSpPr>
+          <p:nvPr>
+            <p:ph idx="1"/>
+          </p:nvPr>
+        </p:nvSpPr>
+        <p:spPr/>
+        <p:txBody>
+          <a:bodyPr/>
+          <a:lstStyle/>
+          <a:p>
+            <a:r>
+              <a:rPr lang="en-US" dirty="0" err="1"/>
+              <a:t>Beforebegin</a:t>
+            </a:r>
+            <a:endParaRPr lang="en-US" dirty="0"/>
+          </a:p>
+          <a:p>
+            <a:r>
+              <a:rPr lang="en-US" dirty="0" err="1"/>
+              <a:t>Afterbegin</a:t>
+            </a:r>
+            <a:endParaRPr lang="en-US" dirty="0"/>
+          </a:p>
+          <a:p>
+            <a:r>
+              <a:rPr lang="en-US" dirty="0" err="1"/>
+              <a:t>Beforeend</a:t>
+            </a:r>
+            <a:endParaRPr lang="en-US" dirty="0"/>
+          </a:p>
+          <a:p>
+            <a:r>
+              <a:rPr lang="en-US" dirty="0" err="1"/>
+              <a:t>afterend</a:t>
+            </a:r>
+            <a:endParaRPr lang="en-US" dirty="0"/>
+          </a:p>
+        </p:txBody>
+      </p:sp>
+    </p:spTree>
+    <p:extLst>
+      <p:ext uri="{BB962C8B-B14F-4D97-AF65-F5344CB8AC3E}">
+        <p14:creationId xmlns:p14="http://schemas.microsoft.com/office/powerpoint/2010/main" val="1645649784"/>
       </p:ext>
     </p:extLst>
   </p:cSld>

--- a/JS Array Methods.pptx
+++ b/JS Array Methods.pptx
@@ -58,6 +58,8 @@
     <p:sldId id="306" r:id="rId52"/>
     <p:sldId id="307" r:id="rId53"/>
     <p:sldId id="308" r:id="rId54"/>
+    <p:sldId id="309" r:id="rId55"/>
+    <p:sldId id="310" r:id="rId56"/>
   </p:sldIdLst>
   <p:sldSz cx="12192000" cy="6858000"/>
   <p:notesSz cx="6858000" cy="9144000"/>
@@ -214,6 +216,8 @@
             <p14:sldId id="306"/>
             <p14:sldId id="307"/>
             <p14:sldId id="308"/>
+            <p14:sldId id="309"/>
+            <p14:sldId id="310"/>
           </p14:sldIdLst>
         </p14:section>
       </p14:sectionLst>
@@ -372,7 +376,7 @@
           <a:p>
             <a:fld id="{251324DA-2C50-4C1E-BE8C-0E466E647AEA}" type="datetimeFigureOut">
               <a:rPr lang="en-US" smtClean="0"/>
-              <a:t>9/1/2022</a:t>
+              <a:t>9/2/2022</a:t>
             </a:fld>
             <a:endParaRPr lang="en-US"/>
           </a:p>
@@ -570,7 +574,7 @@
           <a:p>
             <a:fld id="{251324DA-2C50-4C1E-BE8C-0E466E647AEA}" type="datetimeFigureOut">
               <a:rPr lang="en-US" smtClean="0"/>
-              <a:t>9/1/2022</a:t>
+              <a:t>9/2/2022</a:t>
             </a:fld>
             <a:endParaRPr lang="en-US"/>
           </a:p>
@@ -778,7 +782,7 @@
           <a:p>
             <a:fld id="{251324DA-2C50-4C1E-BE8C-0E466E647AEA}" type="datetimeFigureOut">
               <a:rPr lang="en-US" smtClean="0"/>
-              <a:t>9/1/2022</a:t>
+              <a:t>9/2/2022</a:t>
             </a:fld>
             <a:endParaRPr lang="en-US"/>
           </a:p>
@@ -976,7 +980,7 @@
           <a:p>
             <a:fld id="{251324DA-2C50-4C1E-BE8C-0E466E647AEA}" type="datetimeFigureOut">
               <a:rPr lang="en-US" smtClean="0"/>
-              <a:t>9/1/2022</a:t>
+              <a:t>9/2/2022</a:t>
             </a:fld>
             <a:endParaRPr lang="en-US"/>
           </a:p>
@@ -1251,7 +1255,7 @@
           <a:p>
             <a:fld id="{251324DA-2C50-4C1E-BE8C-0E466E647AEA}" type="datetimeFigureOut">
               <a:rPr lang="en-US" smtClean="0"/>
-              <a:t>9/1/2022</a:t>
+              <a:t>9/2/2022</a:t>
             </a:fld>
             <a:endParaRPr lang="en-US"/>
           </a:p>
@@ -1516,7 +1520,7 @@
           <a:p>
             <a:fld id="{251324DA-2C50-4C1E-BE8C-0E466E647AEA}" type="datetimeFigureOut">
               <a:rPr lang="en-US" smtClean="0"/>
-              <a:t>9/1/2022</a:t>
+              <a:t>9/2/2022</a:t>
             </a:fld>
             <a:endParaRPr lang="en-US"/>
           </a:p>
@@ -1928,7 +1932,7 @@
           <a:p>
             <a:fld id="{251324DA-2C50-4C1E-BE8C-0E466E647AEA}" type="datetimeFigureOut">
               <a:rPr lang="en-US" smtClean="0"/>
-              <a:t>9/1/2022</a:t>
+              <a:t>9/2/2022</a:t>
             </a:fld>
             <a:endParaRPr lang="en-US"/>
           </a:p>
@@ -2069,7 +2073,7 @@
           <a:p>
             <a:fld id="{251324DA-2C50-4C1E-BE8C-0E466E647AEA}" type="datetimeFigureOut">
               <a:rPr lang="en-US" smtClean="0"/>
-              <a:t>9/1/2022</a:t>
+              <a:t>9/2/2022</a:t>
             </a:fld>
             <a:endParaRPr lang="en-US"/>
           </a:p>
@@ -2182,7 +2186,7 @@
           <a:p>
             <a:fld id="{251324DA-2C50-4C1E-BE8C-0E466E647AEA}" type="datetimeFigureOut">
               <a:rPr lang="en-US" smtClean="0"/>
-              <a:t>9/1/2022</a:t>
+              <a:t>9/2/2022</a:t>
             </a:fld>
             <a:endParaRPr lang="en-US"/>
           </a:p>
@@ -2493,7 +2497,7 @@
           <a:p>
             <a:fld id="{251324DA-2C50-4C1E-BE8C-0E466E647AEA}" type="datetimeFigureOut">
               <a:rPr lang="en-US" smtClean="0"/>
-              <a:t>9/1/2022</a:t>
+              <a:t>9/2/2022</a:t>
             </a:fld>
             <a:endParaRPr lang="en-US"/>
           </a:p>
@@ -2781,7 +2785,7 @@
           <a:p>
             <a:fld id="{251324DA-2C50-4C1E-BE8C-0E466E647AEA}" type="datetimeFigureOut">
               <a:rPr lang="en-US" smtClean="0"/>
-              <a:t>9/1/2022</a:t>
+              <a:t>9/2/2022</a:t>
             </a:fld>
             <a:endParaRPr lang="en-US"/>
           </a:p>
@@ -3022,7 +3026,7 @@
           <a:p>
             <a:fld id="{251324DA-2C50-4C1E-BE8C-0E466E647AEA}" type="datetimeFigureOut">
               <a:rPr lang="en-US" smtClean="0"/>
-              <a:t>9/1/2022</a:t>
+              <a:t>9/2/2022</a:t>
             </a:fld>
             <a:endParaRPr lang="en-US"/>
           </a:p>
@@ -12003,6 +12007,9 @@
             <a:endParaRPr lang="en-US" dirty="0"/>
           </a:p>
           <a:p>
+            <a:endParaRPr lang="en-US" dirty="0"/>
+          </a:p>
+          <a:p>
             <a:r>
               <a:rPr lang="en-US" dirty="0" err="1"/>
               <a:t>Afterbegin</a:t>
@@ -12010,6 +12017,9 @@
             <a:endParaRPr lang="en-US" dirty="0"/>
           </a:p>
           <a:p>
+            <a:endParaRPr lang="en-US" dirty="0"/>
+          </a:p>
+          <a:p>
             <a:r>
               <a:rPr lang="en-US" dirty="0" err="1"/>
               <a:t>Beforeend</a:t>
@@ -12017,11 +12027,463 @@
             <a:endParaRPr lang="en-US" dirty="0"/>
           </a:p>
           <a:p>
+            <a:endParaRPr lang="en-US" dirty="0"/>
+          </a:p>
+          <a:p>
             <a:r>
               <a:rPr lang="en-US" dirty="0" err="1"/>
               <a:t>afterend</a:t>
             </a:r>
             <a:endParaRPr lang="en-US" dirty="0"/>
+          </a:p>
+        </p:txBody>
+      </p:sp>
+      <p:sp>
+        <p:nvSpPr>
+          <p:cNvPr id="4" name="Rectangle 3">
+            <a:extLst>
+              <a:ext uri="{FF2B5EF4-FFF2-40B4-BE49-F238E27FC236}">
+                <a16:creationId xmlns:a16="http://schemas.microsoft.com/office/drawing/2014/main" id="{AE86E148-F7E7-8AD6-245E-E9B517D8C6E9}"/>
+              </a:ext>
+            </a:extLst>
+          </p:cNvPr>
+          <p:cNvSpPr/>
+          <p:nvPr/>
+        </p:nvSpPr>
+        <p:spPr>
+          <a:xfrm>
+            <a:off x="5615189" y="1957589"/>
+            <a:ext cx="5924281" cy="2125014"/>
+          </a:xfrm>
+          <a:prstGeom prst="rect">
+            <a:avLst/>
+          </a:prstGeom>
+        </p:spPr>
+        <p:style>
+          <a:lnRef idx="3">
+            <a:schemeClr val="lt1"/>
+          </a:lnRef>
+          <a:fillRef idx="1">
+            <a:schemeClr val="accent2"/>
+          </a:fillRef>
+          <a:effectRef idx="1">
+            <a:schemeClr val="accent2"/>
+          </a:effectRef>
+          <a:fontRef idx="minor">
+            <a:schemeClr val="lt1"/>
+          </a:fontRef>
+        </p:style>
+        <p:txBody>
+          <a:bodyPr rtlCol="0" anchor="ctr"/>
+          <a:lstStyle/>
+          <a:p>
+            <a:pPr algn="ctr"/>
+            <a:r>
+              <a:rPr lang="en-US" dirty="0"/>
+              <a:t>This is a text in div tag</a:t>
+            </a:r>
+          </a:p>
+        </p:txBody>
+      </p:sp>
+      <p:sp>
+        <p:nvSpPr>
+          <p:cNvPr id="5" name="Rectangle 4">
+            <a:extLst>
+              <a:ext uri="{FF2B5EF4-FFF2-40B4-BE49-F238E27FC236}">
+                <a16:creationId xmlns:a16="http://schemas.microsoft.com/office/drawing/2014/main" id="{DBB0D4A1-1E36-2B41-1C7E-8FF76FA6EED5}"/>
+              </a:ext>
+            </a:extLst>
+          </p:cNvPr>
+          <p:cNvSpPr/>
+          <p:nvPr/>
+        </p:nvSpPr>
+        <p:spPr>
+          <a:xfrm>
+            <a:off x="6553540" y="5715298"/>
+            <a:ext cx="4047583" cy="523220"/>
+          </a:xfrm>
+          <a:prstGeom prst="rect">
+            <a:avLst/>
+          </a:prstGeom>
+          <a:noFill/>
+        </p:spPr>
+        <p:txBody>
+          <a:bodyPr wrap="none" lIns="91440" tIns="45720" rIns="91440" bIns="45720">
+            <a:spAutoFit/>
+          </a:bodyPr>
+          <a:lstStyle/>
+          <a:p>
+            <a:pPr algn="ctr"/>
+            <a:r>
+              <a:rPr lang="en-US" sz="2800" b="0" cap="none" spc="0" dirty="0">
+                <a:ln w="0"/>
+                <a:solidFill>
+                  <a:schemeClr val="tx1"/>
+                </a:solidFill>
+                <a:effectLst>
+                  <a:outerShdw blurRad="38100" dist="19050" dir="2700000" algn="tl" rotWithShape="0">
+                    <a:schemeClr val="dk1">
+                      <a:alpha val="40000"/>
+                    </a:schemeClr>
+                  </a:outerShdw>
+                </a:effectLst>
+              </a:rPr>
+              <a:t>&lt;h1&gt; This is just Text&lt;/h1&gt;</a:t>
+            </a:r>
+          </a:p>
+        </p:txBody>
+      </p:sp>
+      <p:cxnSp>
+        <p:nvCxnSpPr>
+          <p:cNvPr id="7" name="Straight Arrow Connector 6">
+            <a:extLst>
+              <a:ext uri="{FF2B5EF4-FFF2-40B4-BE49-F238E27FC236}">
+                <a16:creationId xmlns:a16="http://schemas.microsoft.com/office/drawing/2014/main" id="{B1223D6D-8529-43A9-2346-1F41C77DDFAE}"/>
+              </a:ext>
+            </a:extLst>
+          </p:cNvPr>
+          <p:cNvCxnSpPr/>
+          <p:nvPr/>
+        </p:nvCxnSpPr>
+        <p:spPr>
+          <a:xfrm flipV="1">
+            <a:off x="3129566" y="1690688"/>
+            <a:ext cx="3193961" cy="447205"/>
+          </a:xfrm>
+          <a:prstGeom prst="straightConnector1">
+            <a:avLst/>
+          </a:prstGeom>
+          <a:ln>
+            <a:tailEnd type="triangle"/>
+          </a:ln>
+        </p:spPr>
+        <p:style>
+          <a:lnRef idx="3">
+            <a:schemeClr val="accent1"/>
+          </a:lnRef>
+          <a:fillRef idx="0">
+            <a:schemeClr val="accent1"/>
+          </a:fillRef>
+          <a:effectRef idx="2">
+            <a:schemeClr val="accent1"/>
+          </a:effectRef>
+          <a:fontRef idx="minor">
+            <a:schemeClr val="tx1"/>
+          </a:fontRef>
+        </p:style>
+      </p:cxnSp>
+      <p:sp>
+        <p:nvSpPr>
+          <p:cNvPr id="8" name="Rectangle 7">
+            <a:extLst>
+              <a:ext uri="{FF2B5EF4-FFF2-40B4-BE49-F238E27FC236}">
+                <a16:creationId xmlns:a16="http://schemas.microsoft.com/office/drawing/2014/main" id="{7F63056E-4F6A-552E-EF36-777107C30513}"/>
+              </a:ext>
+            </a:extLst>
+          </p:cNvPr>
+          <p:cNvSpPr/>
+          <p:nvPr/>
+        </p:nvSpPr>
+        <p:spPr>
+          <a:xfrm>
+            <a:off x="6323527" y="1347537"/>
+            <a:ext cx="4047583" cy="523220"/>
+          </a:xfrm>
+          <a:prstGeom prst="rect">
+            <a:avLst/>
+          </a:prstGeom>
+          <a:noFill/>
+        </p:spPr>
+        <p:txBody>
+          <a:bodyPr wrap="none" lIns="91440" tIns="45720" rIns="91440" bIns="45720">
+            <a:spAutoFit/>
+          </a:bodyPr>
+          <a:lstStyle/>
+          <a:p>
+            <a:pPr algn="ctr"/>
+            <a:r>
+              <a:rPr lang="en-US" sz="2800" b="0" cap="none" spc="0" dirty="0">
+                <a:ln w="0"/>
+                <a:solidFill>
+                  <a:schemeClr val="tx1"/>
+                </a:solidFill>
+                <a:effectLst>
+                  <a:outerShdw blurRad="38100" dist="19050" dir="2700000" algn="tl" rotWithShape="0">
+                    <a:schemeClr val="dk1">
+                      <a:alpha val="40000"/>
+                    </a:schemeClr>
+                  </a:outerShdw>
+                </a:effectLst>
+              </a:rPr>
+              <a:t>&lt;h1&gt; This is just Text&lt;/h1&gt;</a:t>
+            </a:r>
+          </a:p>
+        </p:txBody>
+      </p:sp>
+      <p:cxnSp>
+        <p:nvCxnSpPr>
+          <p:cNvPr id="9" name="Straight Arrow Connector 8">
+            <a:extLst>
+              <a:ext uri="{FF2B5EF4-FFF2-40B4-BE49-F238E27FC236}">
+                <a16:creationId xmlns:a16="http://schemas.microsoft.com/office/drawing/2014/main" id="{DE69B43B-C266-C1DC-BD2C-BDD7316CE960}"/>
+              </a:ext>
+            </a:extLst>
+          </p:cNvPr>
+          <p:cNvCxnSpPr>
+            <a:cxnSpLocks/>
+          </p:cNvCxnSpPr>
+          <p:nvPr/>
+        </p:nvCxnSpPr>
+        <p:spPr>
+          <a:xfrm flipV="1">
+            <a:off x="2902039" y="2283433"/>
+            <a:ext cx="3807854" cy="826814"/>
+          </a:xfrm>
+          <a:prstGeom prst="straightConnector1">
+            <a:avLst/>
+          </a:prstGeom>
+          <a:ln>
+            <a:tailEnd type="triangle"/>
+          </a:ln>
+        </p:spPr>
+        <p:style>
+          <a:lnRef idx="3">
+            <a:schemeClr val="accent1"/>
+          </a:lnRef>
+          <a:fillRef idx="0">
+            <a:schemeClr val="accent1"/>
+          </a:fillRef>
+          <a:effectRef idx="2">
+            <a:schemeClr val="accent1"/>
+          </a:effectRef>
+          <a:fontRef idx="minor">
+            <a:schemeClr val="tx1"/>
+          </a:fontRef>
+        </p:style>
+      </p:cxnSp>
+      <p:sp>
+        <p:nvSpPr>
+          <p:cNvPr id="11" name="Rectangle 10">
+            <a:extLst>
+              <a:ext uri="{FF2B5EF4-FFF2-40B4-BE49-F238E27FC236}">
+                <a16:creationId xmlns:a16="http://schemas.microsoft.com/office/drawing/2014/main" id="{760230C2-825C-97BE-6AE0-FF13E94B230B}"/>
+              </a:ext>
+            </a:extLst>
+          </p:cNvPr>
+          <p:cNvSpPr/>
+          <p:nvPr/>
+        </p:nvSpPr>
+        <p:spPr>
+          <a:xfrm>
+            <a:off x="6553537" y="1955841"/>
+            <a:ext cx="4047583" cy="523220"/>
+          </a:xfrm>
+          <a:prstGeom prst="rect">
+            <a:avLst/>
+          </a:prstGeom>
+          <a:noFill/>
+        </p:spPr>
+        <p:txBody>
+          <a:bodyPr wrap="none" lIns="91440" tIns="45720" rIns="91440" bIns="45720">
+            <a:spAutoFit/>
+          </a:bodyPr>
+          <a:lstStyle/>
+          <a:p>
+            <a:pPr algn="ctr"/>
+            <a:r>
+              <a:rPr lang="en-US" sz="2800" b="0" cap="none" spc="0" dirty="0">
+                <a:ln w="0"/>
+                <a:solidFill>
+                  <a:schemeClr val="tx1"/>
+                </a:solidFill>
+                <a:effectLst>
+                  <a:outerShdw blurRad="38100" dist="19050" dir="2700000" algn="tl" rotWithShape="0">
+                    <a:schemeClr val="dk1">
+                      <a:alpha val="40000"/>
+                    </a:schemeClr>
+                  </a:outerShdw>
+                </a:effectLst>
+              </a:rPr>
+              <a:t>&lt;h1&gt; This is just Text&lt;/h1&gt;</a:t>
+            </a:r>
+          </a:p>
+        </p:txBody>
+      </p:sp>
+      <p:cxnSp>
+        <p:nvCxnSpPr>
+          <p:cNvPr id="12" name="Straight Arrow Connector 11">
+            <a:extLst>
+              <a:ext uri="{FF2B5EF4-FFF2-40B4-BE49-F238E27FC236}">
+                <a16:creationId xmlns:a16="http://schemas.microsoft.com/office/drawing/2014/main" id="{FA86346E-2A4F-91A7-D97A-B08AFD4EC8C0}"/>
+              </a:ext>
+            </a:extLst>
+          </p:cNvPr>
+          <p:cNvCxnSpPr>
+            <a:cxnSpLocks/>
+          </p:cNvCxnSpPr>
+          <p:nvPr/>
+        </p:nvCxnSpPr>
+        <p:spPr>
+          <a:xfrm flipV="1">
+            <a:off x="2902039" y="3770588"/>
+            <a:ext cx="3962400" cy="390573"/>
+          </a:xfrm>
+          <a:prstGeom prst="straightConnector1">
+            <a:avLst/>
+          </a:prstGeom>
+          <a:ln>
+            <a:tailEnd type="triangle"/>
+          </a:ln>
+        </p:spPr>
+        <p:style>
+          <a:lnRef idx="3">
+            <a:schemeClr val="accent1"/>
+          </a:lnRef>
+          <a:fillRef idx="0">
+            <a:schemeClr val="accent1"/>
+          </a:fillRef>
+          <a:effectRef idx="2">
+            <a:schemeClr val="accent1"/>
+          </a:effectRef>
+          <a:fontRef idx="minor">
+            <a:schemeClr val="tx1"/>
+          </a:fontRef>
+        </p:style>
+      </p:cxnSp>
+      <p:sp>
+        <p:nvSpPr>
+          <p:cNvPr id="14" name="Rectangle 13">
+            <a:extLst>
+              <a:ext uri="{FF2B5EF4-FFF2-40B4-BE49-F238E27FC236}">
+                <a16:creationId xmlns:a16="http://schemas.microsoft.com/office/drawing/2014/main" id="{19754D03-A64F-5471-6E2B-61AA1B140C40}"/>
+              </a:ext>
+            </a:extLst>
+          </p:cNvPr>
+          <p:cNvSpPr/>
+          <p:nvPr/>
+        </p:nvSpPr>
+        <p:spPr>
+          <a:xfrm>
+            <a:off x="6904486" y="3559383"/>
+            <a:ext cx="4047583" cy="523220"/>
+          </a:xfrm>
+          <a:prstGeom prst="rect">
+            <a:avLst/>
+          </a:prstGeom>
+          <a:noFill/>
+        </p:spPr>
+        <p:txBody>
+          <a:bodyPr wrap="none" lIns="91440" tIns="45720" rIns="91440" bIns="45720">
+            <a:spAutoFit/>
+          </a:bodyPr>
+          <a:lstStyle/>
+          <a:p>
+            <a:pPr algn="ctr"/>
+            <a:r>
+              <a:rPr lang="en-US" sz="2800" b="0" cap="none" spc="0" dirty="0">
+                <a:ln w="0"/>
+                <a:solidFill>
+                  <a:schemeClr val="tx1"/>
+                </a:solidFill>
+                <a:effectLst>
+                  <a:outerShdw blurRad="38100" dist="19050" dir="2700000" algn="tl" rotWithShape="0">
+                    <a:schemeClr val="dk1">
+                      <a:alpha val="40000"/>
+                    </a:schemeClr>
+                  </a:outerShdw>
+                </a:effectLst>
+              </a:rPr>
+              <a:t>&lt;h1&gt; This is just Text&lt;/h1&gt;</a:t>
+            </a:r>
+          </a:p>
+        </p:txBody>
+      </p:sp>
+      <p:cxnSp>
+        <p:nvCxnSpPr>
+          <p:cNvPr id="15" name="Straight Arrow Connector 14">
+            <a:extLst>
+              <a:ext uri="{FF2B5EF4-FFF2-40B4-BE49-F238E27FC236}">
+                <a16:creationId xmlns:a16="http://schemas.microsoft.com/office/drawing/2014/main" id="{B5E118DD-E049-F8E4-4475-9CDED0149367}"/>
+              </a:ext>
+            </a:extLst>
+          </p:cNvPr>
+          <p:cNvCxnSpPr>
+            <a:cxnSpLocks/>
+          </p:cNvCxnSpPr>
+          <p:nvPr/>
+        </p:nvCxnSpPr>
+        <p:spPr>
+          <a:xfrm flipV="1">
+            <a:off x="2902039" y="4667559"/>
+            <a:ext cx="3962400" cy="390573"/>
+          </a:xfrm>
+          <a:prstGeom prst="straightConnector1">
+            <a:avLst/>
+          </a:prstGeom>
+          <a:ln>
+            <a:tailEnd type="triangle"/>
+          </a:ln>
+        </p:spPr>
+        <p:style>
+          <a:lnRef idx="3">
+            <a:schemeClr val="accent1"/>
+          </a:lnRef>
+          <a:fillRef idx="0">
+            <a:schemeClr val="accent1"/>
+          </a:fillRef>
+          <a:effectRef idx="2">
+            <a:schemeClr val="accent1"/>
+          </a:effectRef>
+          <a:fontRef idx="minor">
+            <a:schemeClr val="tx1"/>
+          </a:fontRef>
+        </p:style>
+      </p:cxnSp>
+      <p:sp>
+        <p:nvSpPr>
+          <p:cNvPr id="16" name="Rectangle 15">
+            <a:extLst>
+              <a:ext uri="{FF2B5EF4-FFF2-40B4-BE49-F238E27FC236}">
+                <a16:creationId xmlns:a16="http://schemas.microsoft.com/office/drawing/2014/main" id="{5CBB1BE4-E1E5-98D6-DF6E-1278324A64C3}"/>
+              </a:ext>
+            </a:extLst>
+          </p:cNvPr>
+          <p:cNvSpPr/>
+          <p:nvPr/>
+        </p:nvSpPr>
+        <p:spPr>
+          <a:xfrm>
+            <a:off x="6864439" y="4334729"/>
+            <a:ext cx="4047583" cy="523220"/>
+          </a:xfrm>
+          <a:prstGeom prst="rect">
+            <a:avLst/>
+          </a:prstGeom>
+          <a:noFill/>
+        </p:spPr>
+        <p:txBody>
+          <a:bodyPr wrap="none" lIns="91440" tIns="45720" rIns="91440" bIns="45720">
+            <a:spAutoFit/>
+          </a:bodyPr>
+          <a:lstStyle/>
+          <a:p>
+            <a:pPr algn="ctr"/>
+            <a:r>
+              <a:rPr lang="en-US" sz="2800" b="0" cap="none" spc="0" dirty="0">
+                <a:ln w="0"/>
+                <a:solidFill>
+                  <a:schemeClr val="tx1"/>
+                </a:solidFill>
+                <a:effectLst>
+                  <a:outerShdw blurRad="38100" dist="19050" dir="2700000" algn="tl" rotWithShape="0">
+                    <a:schemeClr val="dk1">
+                      <a:alpha val="40000"/>
+                    </a:schemeClr>
+                  </a:outerShdw>
+                </a:effectLst>
+              </a:rPr>
+              <a:t>&lt;h1&gt; This is just Text&lt;/h1&gt;</a:t>
+            </a:r>
           </a:p>
         </p:txBody>
       </p:sp>
@@ -12029,6 +12491,225 @@
     <p:extLst>
       <p:ext uri="{BB962C8B-B14F-4D97-AF65-F5344CB8AC3E}">
         <p14:creationId xmlns:p14="http://schemas.microsoft.com/office/powerpoint/2010/main" val="1645649784"/>
+      </p:ext>
+    </p:extLst>
+  </p:cSld>
+  <p:clrMapOvr>
+    <a:masterClrMapping/>
+  </p:clrMapOvr>
+</p:sld>
+</file>
+
+<file path=ppt/slides/slide54.xml><?xml version="1.0" encoding="utf-8"?>
+<p:sld xmlns:a="http://schemas.openxmlformats.org/drawingml/2006/main" xmlns:r="http://schemas.openxmlformats.org/officeDocument/2006/relationships" xmlns:p="http://schemas.openxmlformats.org/presentationml/2006/main">
+  <p:cSld>
+    <p:spTree>
+      <p:nvGrpSpPr>
+        <p:cNvPr id="1" name=""/>
+        <p:cNvGrpSpPr/>
+        <p:nvPr/>
+      </p:nvGrpSpPr>
+      <p:grpSpPr>
+        <a:xfrm>
+          <a:off x="0" y="0"/>
+          <a:ext cx="0" cy="0"/>
+          <a:chOff x="0" y="0"/>
+          <a:chExt cx="0" cy="0"/>
+        </a:xfrm>
+      </p:grpSpPr>
+      <p:sp>
+        <p:nvSpPr>
+          <p:cNvPr id="2" name="Title 1">
+            <a:extLst>
+              <a:ext uri="{FF2B5EF4-FFF2-40B4-BE49-F238E27FC236}">
+                <a16:creationId xmlns:a16="http://schemas.microsoft.com/office/drawing/2014/main" id="{4EC7E952-06F3-BB95-872D-C4AED1F6147B}"/>
+              </a:ext>
+            </a:extLst>
+          </p:cNvPr>
+          <p:cNvSpPr>
+            <a:spLocks noGrp="1"/>
+          </p:cNvSpPr>
+          <p:nvPr>
+            <p:ph type="title"/>
+          </p:nvPr>
+        </p:nvSpPr>
+        <p:spPr/>
+        <p:txBody>
+          <a:bodyPr/>
+          <a:lstStyle/>
+          <a:p>
+            <a:r>
+              <a:rPr lang="en-US" dirty="0"/>
+              <a:t>DOM: Replace &amp; remove Method</a:t>
+            </a:r>
+          </a:p>
+        </p:txBody>
+      </p:sp>
+      <p:sp>
+        <p:nvSpPr>
+          <p:cNvPr id="3" name="Content Placeholder 2">
+            <a:extLst>
+              <a:ext uri="{FF2B5EF4-FFF2-40B4-BE49-F238E27FC236}">
+                <a16:creationId xmlns:a16="http://schemas.microsoft.com/office/drawing/2014/main" id="{7B86306C-72DD-9787-5641-FB5986FA4FA0}"/>
+              </a:ext>
+            </a:extLst>
+          </p:cNvPr>
+          <p:cNvSpPr>
+            <a:spLocks noGrp="1"/>
+          </p:cNvSpPr>
+          <p:nvPr>
+            <p:ph idx="1"/>
+          </p:nvPr>
+        </p:nvSpPr>
+        <p:spPr/>
+        <p:txBody>
+          <a:bodyPr/>
+          <a:lstStyle/>
+          <a:p>
+            <a:r>
+              <a:rPr lang="en-US" dirty="0" err="1"/>
+              <a:t>replaceChild</a:t>
+            </a:r>
+            <a:r>
+              <a:rPr lang="en-US" dirty="0"/>
+              <a:t>()</a:t>
+            </a:r>
+          </a:p>
+          <a:p>
+            <a:r>
+              <a:rPr lang="en-US" dirty="0" err="1"/>
+              <a:t>removeChild</a:t>
+            </a:r>
+            <a:r>
+              <a:rPr lang="en-US" dirty="0"/>
+              <a:t>()</a:t>
+            </a:r>
+          </a:p>
+        </p:txBody>
+      </p:sp>
+    </p:spTree>
+    <p:extLst>
+      <p:ext uri="{BB962C8B-B14F-4D97-AF65-F5344CB8AC3E}">
+        <p14:creationId xmlns:p14="http://schemas.microsoft.com/office/powerpoint/2010/main" val="954578521"/>
+      </p:ext>
+    </p:extLst>
+  </p:cSld>
+  <p:clrMapOvr>
+    <a:masterClrMapping/>
+  </p:clrMapOvr>
+</p:sld>
+</file>
+
+<file path=ppt/slides/slide55.xml><?xml version="1.0" encoding="utf-8"?>
+<p:sld xmlns:a="http://schemas.openxmlformats.org/drawingml/2006/main" xmlns:r="http://schemas.openxmlformats.org/officeDocument/2006/relationships" xmlns:p="http://schemas.openxmlformats.org/presentationml/2006/main">
+  <p:cSld>
+    <p:spTree>
+      <p:nvGrpSpPr>
+        <p:cNvPr id="1" name=""/>
+        <p:cNvGrpSpPr/>
+        <p:nvPr/>
+      </p:nvGrpSpPr>
+      <p:grpSpPr>
+        <a:xfrm>
+          <a:off x="0" y="0"/>
+          <a:ext cx="0" cy="0"/>
+          <a:chOff x="0" y="0"/>
+          <a:chExt cx="0" cy="0"/>
+        </a:xfrm>
+      </p:grpSpPr>
+      <p:sp>
+        <p:nvSpPr>
+          <p:cNvPr id="2" name="Title 1">
+            <a:extLst>
+              <a:ext uri="{FF2B5EF4-FFF2-40B4-BE49-F238E27FC236}">
+                <a16:creationId xmlns:a16="http://schemas.microsoft.com/office/drawing/2014/main" id="{8CF5C378-92FD-9B63-15A9-4752A2123BFB}"/>
+              </a:ext>
+            </a:extLst>
+          </p:cNvPr>
+          <p:cNvSpPr>
+            <a:spLocks noGrp="1"/>
+          </p:cNvSpPr>
+          <p:nvPr>
+            <p:ph type="title"/>
+          </p:nvPr>
+        </p:nvSpPr>
+        <p:spPr/>
+        <p:txBody>
+          <a:bodyPr/>
+          <a:lstStyle/>
+          <a:p>
+            <a:r>
+              <a:rPr lang="en-US" dirty="0"/>
+              <a:t>DOM: </a:t>
+            </a:r>
+            <a:r>
+              <a:rPr lang="en-US" dirty="0" err="1"/>
+              <a:t>replaceChild</a:t>
+            </a:r>
+            <a:r>
+              <a:rPr lang="en-US" dirty="0"/>
+              <a:t>() Method ;</a:t>
+            </a:r>
+          </a:p>
+        </p:txBody>
+      </p:sp>
+      <p:sp>
+        <p:nvSpPr>
+          <p:cNvPr id="3" name="Content Placeholder 2">
+            <a:extLst>
+              <a:ext uri="{FF2B5EF4-FFF2-40B4-BE49-F238E27FC236}">
+                <a16:creationId xmlns:a16="http://schemas.microsoft.com/office/drawing/2014/main" id="{DA5C19B2-E977-66EB-6234-136C70F963BB}"/>
+              </a:ext>
+            </a:extLst>
+          </p:cNvPr>
+          <p:cNvSpPr>
+            <a:spLocks noGrp="1"/>
+          </p:cNvSpPr>
+          <p:nvPr>
+            <p:ph idx="1"/>
+          </p:nvPr>
+        </p:nvSpPr>
+        <p:spPr/>
+        <p:txBody>
+          <a:bodyPr/>
+          <a:lstStyle/>
+          <a:p>
+            <a:r>
+              <a:rPr lang="en-US" dirty="0"/>
+              <a:t>Orange</a:t>
+            </a:r>
+          </a:p>
+          <a:p>
+            <a:r>
+              <a:rPr lang="en-US" dirty="0"/>
+              <a:t>Apple</a:t>
+            </a:r>
+          </a:p>
+          <a:p>
+            <a:r>
+              <a:rPr lang="en-US" dirty="0"/>
+              <a:t>Banana</a:t>
+            </a:r>
+          </a:p>
+          <a:p>
+            <a:r>
+              <a:rPr lang="en-US" dirty="0" err="1"/>
+              <a:t>Graps</a:t>
+            </a:r>
+            <a:endParaRPr lang="en-US" dirty="0"/>
+          </a:p>
+          <a:p>
+            <a:pPr marL="0" indent="0">
+              <a:buNone/>
+            </a:pPr>
+            <a:endParaRPr lang="en-US" dirty="0"/>
+          </a:p>
+        </p:txBody>
+      </p:sp>
+    </p:spTree>
+    <p:extLst>
+      <p:ext uri="{BB962C8B-B14F-4D97-AF65-F5344CB8AC3E}">
+        <p14:creationId xmlns:p14="http://schemas.microsoft.com/office/powerpoint/2010/main" val="3460124526"/>
       </p:ext>
     </p:extLst>
   </p:cSld>

--- a/JS Array Methods.pptx
+++ b/JS Array Methods.pptx
@@ -60,6 +60,10 @@
     <p:sldId id="308" r:id="rId54"/>
     <p:sldId id="309" r:id="rId55"/>
     <p:sldId id="310" r:id="rId56"/>
+    <p:sldId id="311" r:id="rId57"/>
+    <p:sldId id="312" r:id="rId58"/>
+    <p:sldId id="313" r:id="rId59"/>
+    <p:sldId id="314" r:id="rId60"/>
   </p:sldIdLst>
   <p:sldSz cx="12192000" cy="6858000"/>
   <p:notesSz cx="6858000" cy="9144000"/>
@@ -218,6 +222,10 @@
             <p14:sldId id="308"/>
             <p14:sldId id="309"/>
             <p14:sldId id="310"/>
+            <p14:sldId id="311"/>
+            <p14:sldId id="312"/>
+            <p14:sldId id="313"/>
+            <p14:sldId id="314"/>
           </p14:sldIdLst>
         </p14:section>
       </p14:sectionLst>
@@ -376,7 +384,7 @@
           <a:p>
             <a:fld id="{251324DA-2C50-4C1E-BE8C-0E466E647AEA}" type="datetimeFigureOut">
               <a:rPr lang="en-US" smtClean="0"/>
-              <a:t>9/2/2022</a:t>
+              <a:t>9/6/2022</a:t>
             </a:fld>
             <a:endParaRPr lang="en-US"/>
           </a:p>
@@ -574,7 +582,7 @@
           <a:p>
             <a:fld id="{251324DA-2C50-4C1E-BE8C-0E466E647AEA}" type="datetimeFigureOut">
               <a:rPr lang="en-US" smtClean="0"/>
-              <a:t>9/2/2022</a:t>
+              <a:t>9/6/2022</a:t>
             </a:fld>
             <a:endParaRPr lang="en-US"/>
           </a:p>
@@ -782,7 +790,7 @@
           <a:p>
             <a:fld id="{251324DA-2C50-4C1E-BE8C-0E466E647AEA}" type="datetimeFigureOut">
               <a:rPr lang="en-US" smtClean="0"/>
-              <a:t>9/2/2022</a:t>
+              <a:t>9/6/2022</a:t>
             </a:fld>
             <a:endParaRPr lang="en-US"/>
           </a:p>
@@ -980,7 +988,7 @@
           <a:p>
             <a:fld id="{251324DA-2C50-4C1E-BE8C-0E466E647AEA}" type="datetimeFigureOut">
               <a:rPr lang="en-US" smtClean="0"/>
-              <a:t>9/2/2022</a:t>
+              <a:t>9/6/2022</a:t>
             </a:fld>
             <a:endParaRPr lang="en-US"/>
           </a:p>
@@ -1255,7 +1263,7 @@
           <a:p>
             <a:fld id="{251324DA-2C50-4C1E-BE8C-0E466E647AEA}" type="datetimeFigureOut">
               <a:rPr lang="en-US" smtClean="0"/>
-              <a:t>9/2/2022</a:t>
+              <a:t>9/6/2022</a:t>
             </a:fld>
             <a:endParaRPr lang="en-US"/>
           </a:p>
@@ -1520,7 +1528,7 @@
           <a:p>
             <a:fld id="{251324DA-2C50-4C1E-BE8C-0E466E647AEA}" type="datetimeFigureOut">
               <a:rPr lang="en-US" smtClean="0"/>
-              <a:t>9/2/2022</a:t>
+              <a:t>9/6/2022</a:t>
             </a:fld>
             <a:endParaRPr lang="en-US"/>
           </a:p>
@@ -1932,7 +1940,7 @@
           <a:p>
             <a:fld id="{251324DA-2C50-4C1E-BE8C-0E466E647AEA}" type="datetimeFigureOut">
               <a:rPr lang="en-US" smtClean="0"/>
-              <a:t>9/2/2022</a:t>
+              <a:t>9/6/2022</a:t>
             </a:fld>
             <a:endParaRPr lang="en-US"/>
           </a:p>
@@ -2073,7 +2081,7 @@
           <a:p>
             <a:fld id="{251324DA-2C50-4C1E-BE8C-0E466E647AEA}" type="datetimeFigureOut">
               <a:rPr lang="en-US" smtClean="0"/>
-              <a:t>9/2/2022</a:t>
+              <a:t>9/6/2022</a:t>
             </a:fld>
             <a:endParaRPr lang="en-US"/>
           </a:p>
@@ -2186,7 +2194,7 @@
           <a:p>
             <a:fld id="{251324DA-2C50-4C1E-BE8C-0E466E647AEA}" type="datetimeFigureOut">
               <a:rPr lang="en-US" smtClean="0"/>
-              <a:t>9/2/2022</a:t>
+              <a:t>9/6/2022</a:t>
             </a:fld>
             <a:endParaRPr lang="en-US"/>
           </a:p>
@@ -2497,7 +2505,7 @@
           <a:p>
             <a:fld id="{251324DA-2C50-4C1E-BE8C-0E466E647AEA}" type="datetimeFigureOut">
               <a:rPr lang="en-US" smtClean="0"/>
-              <a:t>9/2/2022</a:t>
+              <a:t>9/6/2022</a:t>
             </a:fld>
             <a:endParaRPr lang="en-US"/>
           </a:p>
@@ -2785,7 +2793,7 @@
           <a:p>
             <a:fld id="{251324DA-2C50-4C1E-BE8C-0E466E647AEA}" type="datetimeFigureOut">
               <a:rPr lang="en-US" smtClean="0"/>
-              <a:t>9/2/2022</a:t>
+              <a:t>9/6/2022</a:t>
             </a:fld>
             <a:endParaRPr lang="en-US"/>
           </a:p>
@@ -3026,7 +3034,7 @@
           <a:p>
             <a:fld id="{251324DA-2C50-4C1E-BE8C-0E466E647AEA}" type="datetimeFigureOut">
               <a:rPr lang="en-US" smtClean="0"/>
-              <a:t>9/2/2022</a:t>
+              <a:t>9/6/2022</a:t>
             </a:fld>
             <a:endParaRPr lang="en-US"/>
           </a:p>
@@ -12719,6 +12727,1188 @@
 </p:sld>
 </file>
 
+<file path=ppt/slides/slide56.xml><?xml version="1.0" encoding="utf-8"?>
+<p:sld xmlns:a="http://schemas.openxmlformats.org/drawingml/2006/main" xmlns:r="http://schemas.openxmlformats.org/officeDocument/2006/relationships" xmlns:p="http://schemas.openxmlformats.org/presentationml/2006/main">
+  <p:cSld>
+    <p:spTree>
+      <p:nvGrpSpPr>
+        <p:cNvPr id="1" name=""/>
+        <p:cNvGrpSpPr/>
+        <p:nvPr/>
+      </p:nvGrpSpPr>
+      <p:grpSpPr>
+        <a:xfrm>
+          <a:off x="0" y="0"/>
+          <a:ext cx="0" cy="0"/>
+          <a:chOff x="0" y="0"/>
+          <a:chExt cx="0" cy="0"/>
+        </a:xfrm>
+      </p:grpSpPr>
+      <p:sp>
+        <p:nvSpPr>
+          <p:cNvPr id="2" name="Title 1">
+            <a:extLst>
+              <a:ext uri="{FF2B5EF4-FFF2-40B4-BE49-F238E27FC236}">
+                <a16:creationId xmlns:a16="http://schemas.microsoft.com/office/drawing/2014/main" id="{2B9B993D-D635-011F-F480-476264666AFE}"/>
+              </a:ext>
+            </a:extLst>
+          </p:cNvPr>
+          <p:cNvSpPr>
+            <a:spLocks noGrp="1"/>
+          </p:cNvSpPr>
+          <p:nvPr>
+            <p:ph type="title"/>
+          </p:nvPr>
+        </p:nvSpPr>
+        <p:spPr/>
+        <p:txBody>
+          <a:bodyPr/>
+          <a:lstStyle/>
+          <a:p>
+            <a:r>
+              <a:rPr lang="en-US" dirty="0"/>
+              <a:t>DOM: </a:t>
+            </a:r>
+            <a:r>
+              <a:rPr lang="en-US" dirty="0" err="1"/>
+              <a:t>cloneNode</a:t>
+            </a:r>
+            <a:r>
+              <a:rPr lang="en-US" dirty="0"/>
+              <a:t>()</a:t>
+            </a:r>
+          </a:p>
+        </p:txBody>
+      </p:sp>
+      <p:sp>
+        <p:nvSpPr>
+          <p:cNvPr id="3" name="Content Placeholder 2">
+            <a:extLst>
+              <a:ext uri="{FF2B5EF4-FFF2-40B4-BE49-F238E27FC236}">
+                <a16:creationId xmlns:a16="http://schemas.microsoft.com/office/drawing/2014/main" id="{398BA723-7E63-3F99-88C0-6D5E4E37E5AA}"/>
+              </a:ext>
+            </a:extLst>
+          </p:cNvPr>
+          <p:cNvSpPr>
+            <a:spLocks noGrp="1"/>
+          </p:cNvSpPr>
+          <p:nvPr>
+            <p:ph idx="1"/>
+          </p:nvPr>
+        </p:nvSpPr>
+        <p:spPr/>
+        <p:txBody>
+          <a:bodyPr/>
+          <a:lstStyle/>
+          <a:p>
+            <a:endParaRPr lang="en-US" dirty="0"/>
+          </a:p>
+        </p:txBody>
+      </p:sp>
+    </p:spTree>
+    <p:extLst>
+      <p:ext uri="{BB962C8B-B14F-4D97-AF65-F5344CB8AC3E}">
+        <p14:creationId xmlns:p14="http://schemas.microsoft.com/office/powerpoint/2010/main" val="2996581106"/>
+      </p:ext>
+    </p:extLst>
+  </p:cSld>
+  <p:clrMapOvr>
+    <a:masterClrMapping/>
+  </p:clrMapOvr>
+</p:sld>
+</file>
+
+<file path=ppt/slides/slide57.xml><?xml version="1.0" encoding="utf-8"?>
+<p:sld xmlns:a="http://schemas.openxmlformats.org/drawingml/2006/main" xmlns:r="http://schemas.openxmlformats.org/officeDocument/2006/relationships" xmlns:p="http://schemas.openxmlformats.org/presentationml/2006/main">
+  <p:cSld>
+    <p:spTree>
+      <p:nvGrpSpPr>
+        <p:cNvPr id="1" name=""/>
+        <p:cNvGrpSpPr/>
+        <p:nvPr/>
+      </p:nvGrpSpPr>
+      <p:grpSpPr>
+        <a:xfrm>
+          <a:off x="0" y="0"/>
+          <a:ext cx="0" cy="0"/>
+          <a:chOff x="0" y="0"/>
+          <a:chExt cx="0" cy="0"/>
+        </a:xfrm>
+      </p:grpSpPr>
+      <p:sp>
+        <p:nvSpPr>
+          <p:cNvPr id="2" name="Title 1">
+            <a:extLst>
+              <a:ext uri="{FF2B5EF4-FFF2-40B4-BE49-F238E27FC236}">
+                <a16:creationId xmlns:a16="http://schemas.microsoft.com/office/drawing/2014/main" id="{3FBA811E-A2BB-A32E-B435-45625F5256F7}"/>
+              </a:ext>
+            </a:extLst>
+          </p:cNvPr>
+          <p:cNvSpPr>
+            <a:spLocks noGrp="1"/>
+          </p:cNvSpPr>
+          <p:nvPr>
+            <p:ph type="title"/>
+          </p:nvPr>
+        </p:nvSpPr>
+        <p:spPr/>
+        <p:txBody>
+          <a:bodyPr/>
+          <a:lstStyle/>
+          <a:p>
+            <a:r>
+              <a:rPr lang="en-US" dirty="0"/>
+              <a:t>DOM contains() :</a:t>
+            </a:r>
+          </a:p>
+        </p:txBody>
+      </p:sp>
+      <p:sp>
+        <p:nvSpPr>
+          <p:cNvPr id="4" name="Rectangle 3">
+            <a:extLst>
+              <a:ext uri="{FF2B5EF4-FFF2-40B4-BE49-F238E27FC236}">
+                <a16:creationId xmlns:a16="http://schemas.microsoft.com/office/drawing/2014/main" id="{C0C0441B-1C8F-E799-CEB0-62CF808C294F}"/>
+              </a:ext>
+            </a:extLst>
+          </p:cNvPr>
+          <p:cNvSpPr/>
+          <p:nvPr/>
+        </p:nvSpPr>
+        <p:spPr>
+          <a:xfrm>
+            <a:off x="1379111" y="1928611"/>
+            <a:ext cx="5821251" cy="3000778"/>
+          </a:xfrm>
+          <a:prstGeom prst="rect">
+            <a:avLst/>
+          </a:prstGeom>
+        </p:spPr>
+        <p:style>
+          <a:lnRef idx="1">
+            <a:schemeClr val="accent2"/>
+          </a:lnRef>
+          <a:fillRef idx="2">
+            <a:schemeClr val="accent2"/>
+          </a:fillRef>
+          <a:effectRef idx="1">
+            <a:schemeClr val="accent2"/>
+          </a:effectRef>
+          <a:fontRef idx="minor">
+            <a:schemeClr val="dk1"/>
+          </a:fontRef>
+        </p:style>
+        <p:txBody>
+          <a:bodyPr rtlCol="0" anchor="t"/>
+          <a:lstStyle/>
+          <a:p>
+            <a:r>
+              <a:rPr lang="en-US" dirty="0"/>
+              <a:t>#Outer</a:t>
+            </a:r>
+          </a:p>
+        </p:txBody>
+      </p:sp>
+      <p:sp>
+        <p:nvSpPr>
+          <p:cNvPr id="5" name="Rectangle 4">
+            <a:extLst>
+              <a:ext uri="{FF2B5EF4-FFF2-40B4-BE49-F238E27FC236}">
+                <a16:creationId xmlns:a16="http://schemas.microsoft.com/office/drawing/2014/main" id="{8336E5C0-13CE-EC4A-7F1E-924EB2BD30E6}"/>
+              </a:ext>
+            </a:extLst>
+          </p:cNvPr>
+          <p:cNvSpPr/>
+          <p:nvPr/>
+        </p:nvSpPr>
+        <p:spPr>
+          <a:xfrm>
+            <a:off x="1635617" y="2949262"/>
+            <a:ext cx="1609859" cy="1262130"/>
+          </a:xfrm>
+          <a:prstGeom prst="rect">
+            <a:avLst/>
+          </a:prstGeom>
+        </p:spPr>
+        <p:style>
+          <a:lnRef idx="3">
+            <a:schemeClr val="lt1"/>
+          </a:lnRef>
+          <a:fillRef idx="1">
+            <a:schemeClr val="accent4"/>
+          </a:fillRef>
+          <a:effectRef idx="1">
+            <a:schemeClr val="accent4"/>
+          </a:effectRef>
+          <a:fontRef idx="minor">
+            <a:schemeClr val="lt1"/>
+          </a:fontRef>
+        </p:style>
+        <p:txBody>
+          <a:bodyPr rtlCol="0" anchor="ctr"/>
+          <a:lstStyle/>
+          <a:p>
+            <a:pPr algn="ctr"/>
+            <a:endParaRPr lang="en-US"/>
+          </a:p>
+        </p:txBody>
+      </p:sp>
+      <p:sp>
+        <p:nvSpPr>
+          <p:cNvPr id="6" name="Rectangle 5">
+            <a:extLst>
+              <a:ext uri="{FF2B5EF4-FFF2-40B4-BE49-F238E27FC236}">
+                <a16:creationId xmlns:a16="http://schemas.microsoft.com/office/drawing/2014/main" id="{A4E2413D-D9CF-0B81-6154-ECA333FA0CCD}"/>
+              </a:ext>
+            </a:extLst>
+          </p:cNvPr>
+          <p:cNvSpPr/>
+          <p:nvPr/>
+        </p:nvSpPr>
+        <p:spPr>
+          <a:xfrm>
+            <a:off x="3625402" y="2949262"/>
+            <a:ext cx="1609859" cy="1262130"/>
+          </a:xfrm>
+          <a:prstGeom prst="rect">
+            <a:avLst/>
+          </a:prstGeom>
+        </p:spPr>
+        <p:style>
+          <a:lnRef idx="3">
+            <a:schemeClr val="lt1"/>
+          </a:lnRef>
+          <a:fillRef idx="1">
+            <a:schemeClr val="accent6"/>
+          </a:fillRef>
+          <a:effectRef idx="1">
+            <a:schemeClr val="accent6"/>
+          </a:effectRef>
+          <a:fontRef idx="minor">
+            <a:schemeClr val="lt1"/>
+          </a:fontRef>
+        </p:style>
+        <p:txBody>
+          <a:bodyPr rtlCol="0" anchor="ctr"/>
+          <a:lstStyle/>
+          <a:p>
+            <a:pPr algn="ctr"/>
+            <a:r>
+              <a:rPr lang="en-US" dirty="0"/>
+              <a:t>#Inner</a:t>
+            </a:r>
+          </a:p>
+        </p:txBody>
+      </p:sp>
+      <p:sp>
+        <p:nvSpPr>
+          <p:cNvPr id="7" name="Rectangle 6">
+            <a:extLst>
+              <a:ext uri="{FF2B5EF4-FFF2-40B4-BE49-F238E27FC236}">
+                <a16:creationId xmlns:a16="http://schemas.microsoft.com/office/drawing/2014/main" id="{391162FE-4BBF-FEF1-465D-1C40391ED8A0}"/>
+              </a:ext>
+            </a:extLst>
+          </p:cNvPr>
+          <p:cNvSpPr/>
+          <p:nvPr/>
+        </p:nvSpPr>
+        <p:spPr>
+          <a:xfrm>
+            <a:off x="5364049" y="2949262"/>
+            <a:ext cx="1609859" cy="1262130"/>
+          </a:xfrm>
+          <a:prstGeom prst="rect">
+            <a:avLst/>
+          </a:prstGeom>
+        </p:spPr>
+        <p:style>
+          <a:lnRef idx="2">
+            <a:schemeClr val="accent3">
+              <a:shade val="50000"/>
+            </a:schemeClr>
+          </a:lnRef>
+          <a:fillRef idx="1">
+            <a:schemeClr val="accent3"/>
+          </a:fillRef>
+          <a:effectRef idx="0">
+            <a:schemeClr val="accent3"/>
+          </a:effectRef>
+          <a:fontRef idx="minor">
+            <a:schemeClr val="lt1"/>
+          </a:fontRef>
+        </p:style>
+        <p:txBody>
+          <a:bodyPr rtlCol="0" anchor="ctr"/>
+          <a:lstStyle/>
+          <a:p>
+            <a:pPr algn="ctr"/>
+            <a:endParaRPr lang="en-US"/>
+          </a:p>
+        </p:txBody>
+      </p:sp>
+      <p:sp>
+        <p:nvSpPr>
+          <p:cNvPr id="8" name="TextBox 7">
+            <a:extLst>
+              <a:ext uri="{FF2B5EF4-FFF2-40B4-BE49-F238E27FC236}">
+                <a16:creationId xmlns:a16="http://schemas.microsoft.com/office/drawing/2014/main" id="{2A38E5D7-C43A-AABB-E045-A7198EB4ADE1}"/>
+              </a:ext>
+            </a:extLst>
+          </p:cNvPr>
+          <p:cNvSpPr txBox="1"/>
+          <p:nvPr/>
+        </p:nvSpPr>
+        <p:spPr>
+          <a:xfrm>
+            <a:off x="9247031" y="1790163"/>
+            <a:ext cx="1139927" cy="369332"/>
+          </a:xfrm>
+          <a:prstGeom prst="rect">
+            <a:avLst/>
+          </a:prstGeom>
+          <a:noFill/>
+        </p:spPr>
+        <p:txBody>
+          <a:bodyPr wrap="none" rtlCol="0">
+            <a:spAutoFit/>
+          </a:bodyPr>
+          <a:lstStyle/>
+          <a:p>
+            <a:r>
+              <a:rPr lang="en-US" dirty="0"/>
+              <a:t>Contains()</a:t>
+            </a:r>
+          </a:p>
+        </p:txBody>
+      </p:sp>
+      <p:cxnSp>
+        <p:nvCxnSpPr>
+          <p:cNvPr id="10" name="Straight Arrow Connector 9">
+            <a:extLst>
+              <a:ext uri="{FF2B5EF4-FFF2-40B4-BE49-F238E27FC236}">
+                <a16:creationId xmlns:a16="http://schemas.microsoft.com/office/drawing/2014/main" id="{0DD0CD19-D92C-05B2-E92B-C515C46E880C}"/>
+              </a:ext>
+            </a:extLst>
+          </p:cNvPr>
+          <p:cNvCxnSpPr/>
+          <p:nvPr/>
+        </p:nvCxnSpPr>
+        <p:spPr>
+          <a:xfrm flipH="1">
+            <a:off x="8770513" y="2159495"/>
+            <a:ext cx="862884" cy="1536742"/>
+          </a:xfrm>
+          <a:prstGeom prst="straightConnector1">
+            <a:avLst/>
+          </a:prstGeom>
+          <a:ln>
+            <a:tailEnd type="triangle"/>
+          </a:ln>
+        </p:spPr>
+        <p:style>
+          <a:lnRef idx="1">
+            <a:schemeClr val="accent1"/>
+          </a:lnRef>
+          <a:fillRef idx="0">
+            <a:schemeClr val="accent1"/>
+          </a:fillRef>
+          <a:effectRef idx="0">
+            <a:schemeClr val="accent1"/>
+          </a:effectRef>
+          <a:fontRef idx="minor">
+            <a:schemeClr val="tx1"/>
+          </a:fontRef>
+        </p:style>
+      </p:cxnSp>
+      <p:cxnSp>
+        <p:nvCxnSpPr>
+          <p:cNvPr id="12" name="Straight Arrow Connector 11">
+            <a:extLst>
+              <a:ext uri="{FF2B5EF4-FFF2-40B4-BE49-F238E27FC236}">
+                <a16:creationId xmlns:a16="http://schemas.microsoft.com/office/drawing/2014/main" id="{1C027E83-EE99-48CB-3C29-B82E2B523357}"/>
+              </a:ext>
+            </a:extLst>
+          </p:cNvPr>
+          <p:cNvCxnSpPr/>
+          <p:nvPr/>
+        </p:nvCxnSpPr>
+        <p:spPr>
+          <a:xfrm>
+            <a:off x="9684913" y="2159495"/>
+            <a:ext cx="871470" cy="1420832"/>
+          </a:xfrm>
+          <a:prstGeom prst="straightConnector1">
+            <a:avLst/>
+          </a:prstGeom>
+          <a:ln>
+            <a:tailEnd type="triangle"/>
+          </a:ln>
+        </p:spPr>
+        <p:style>
+          <a:lnRef idx="1">
+            <a:schemeClr val="accent1"/>
+          </a:lnRef>
+          <a:fillRef idx="0">
+            <a:schemeClr val="accent1"/>
+          </a:fillRef>
+          <a:effectRef idx="0">
+            <a:schemeClr val="accent1"/>
+          </a:effectRef>
+          <a:fontRef idx="minor">
+            <a:schemeClr val="tx1"/>
+          </a:fontRef>
+        </p:style>
+      </p:cxnSp>
+      <p:sp>
+        <p:nvSpPr>
+          <p:cNvPr id="13" name="TextBox 12">
+            <a:extLst>
+              <a:ext uri="{FF2B5EF4-FFF2-40B4-BE49-F238E27FC236}">
+                <a16:creationId xmlns:a16="http://schemas.microsoft.com/office/drawing/2014/main" id="{6E04F953-F7E3-8CBB-5FA2-9D88A2BD5125}"/>
+              </a:ext>
+            </a:extLst>
+          </p:cNvPr>
+          <p:cNvSpPr txBox="1"/>
+          <p:nvPr/>
+        </p:nvSpPr>
+        <p:spPr>
+          <a:xfrm>
+            <a:off x="8470527" y="3618964"/>
+            <a:ext cx="599972" cy="369332"/>
+          </a:xfrm>
+          <a:prstGeom prst="rect">
+            <a:avLst/>
+          </a:prstGeom>
+          <a:noFill/>
+        </p:spPr>
+        <p:txBody>
+          <a:bodyPr wrap="none" rtlCol="0">
+            <a:spAutoFit/>
+          </a:bodyPr>
+          <a:lstStyle/>
+          <a:p>
+            <a:r>
+              <a:rPr lang="en-US" dirty="0"/>
+              <a:t>True</a:t>
+            </a:r>
+          </a:p>
+        </p:txBody>
+      </p:sp>
+      <p:sp>
+        <p:nvSpPr>
+          <p:cNvPr id="14" name="TextBox 13">
+            <a:extLst>
+              <a:ext uri="{FF2B5EF4-FFF2-40B4-BE49-F238E27FC236}">
+                <a16:creationId xmlns:a16="http://schemas.microsoft.com/office/drawing/2014/main" id="{45668A98-8694-5AD9-4354-23E7BE68CD6E}"/>
+              </a:ext>
+            </a:extLst>
+          </p:cNvPr>
+          <p:cNvSpPr txBox="1"/>
+          <p:nvPr/>
+        </p:nvSpPr>
+        <p:spPr>
+          <a:xfrm>
+            <a:off x="10256397" y="3618964"/>
+            <a:ext cx="619400" cy="369332"/>
+          </a:xfrm>
+          <a:prstGeom prst="rect">
+            <a:avLst/>
+          </a:prstGeom>
+          <a:noFill/>
+        </p:spPr>
+        <p:txBody>
+          <a:bodyPr wrap="none" rtlCol="0">
+            <a:spAutoFit/>
+          </a:bodyPr>
+          <a:lstStyle/>
+          <a:p>
+            <a:r>
+              <a:rPr lang="en-US" dirty="0"/>
+              <a:t>false</a:t>
+            </a:r>
+          </a:p>
+        </p:txBody>
+      </p:sp>
+    </p:spTree>
+    <p:extLst>
+      <p:ext uri="{BB962C8B-B14F-4D97-AF65-F5344CB8AC3E}">
+        <p14:creationId xmlns:p14="http://schemas.microsoft.com/office/powerpoint/2010/main" val="584318190"/>
+      </p:ext>
+    </p:extLst>
+  </p:cSld>
+  <p:clrMapOvr>
+    <a:masterClrMapping/>
+  </p:clrMapOvr>
+</p:sld>
+</file>
+
+<file path=ppt/slides/slide58.xml><?xml version="1.0" encoding="utf-8"?>
+<p:sld xmlns:a="http://schemas.openxmlformats.org/drawingml/2006/main" xmlns:r="http://schemas.openxmlformats.org/officeDocument/2006/relationships" xmlns:p="http://schemas.openxmlformats.org/presentationml/2006/main">
+  <p:cSld>
+    <p:spTree>
+      <p:nvGrpSpPr>
+        <p:cNvPr id="1" name=""/>
+        <p:cNvGrpSpPr/>
+        <p:nvPr/>
+      </p:nvGrpSpPr>
+      <p:grpSpPr>
+        <a:xfrm>
+          <a:off x="0" y="0"/>
+          <a:ext cx="0" cy="0"/>
+          <a:chOff x="0" y="0"/>
+          <a:chExt cx="0" cy="0"/>
+        </a:xfrm>
+      </p:grpSpPr>
+      <p:sp>
+        <p:nvSpPr>
+          <p:cNvPr id="2" name="Title 1">
+            <a:extLst>
+              <a:ext uri="{FF2B5EF4-FFF2-40B4-BE49-F238E27FC236}">
+                <a16:creationId xmlns:a16="http://schemas.microsoft.com/office/drawing/2014/main" id="{ECDFE113-F3E5-A46C-140E-A203C1348DE6}"/>
+              </a:ext>
+            </a:extLst>
+          </p:cNvPr>
+          <p:cNvSpPr>
+            <a:spLocks noGrp="1"/>
+          </p:cNvSpPr>
+          <p:nvPr>
+            <p:ph type="title"/>
+          </p:nvPr>
+        </p:nvSpPr>
+        <p:spPr/>
+        <p:txBody>
+          <a:bodyPr/>
+          <a:lstStyle/>
+          <a:p>
+            <a:r>
+              <a:rPr lang="en-US" dirty="0" err="1"/>
+              <a:t>hasAttribute</a:t>
+            </a:r>
+            <a:r>
+              <a:rPr lang="en-US" dirty="0"/>
+              <a:t>() &amp; </a:t>
+            </a:r>
+            <a:r>
+              <a:rPr lang="en-US" dirty="0" err="1"/>
+              <a:t>hasChildNodes</a:t>
+            </a:r>
+            <a:r>
+              <a:rPr lang="en-US" dirty="0"/>
+              <a:t>()</a:t>
+            </a:r>
+          </a:p>
+        </p:txBody>
+      </p:sp>
+      <p:sp>
+        <p:nvSpPr>
+          <p:cNvPr id="3" name="Content Placeholder 2">
+            <a:extLst>
+              <a:ext uri="{FF2B5EF4-FFF2-40B4-BE49-F238E27FC236}">
+                <a16:creationId xmlns:a16="http://schemas.microsoft.com/office/drawing/2014/main" id="{C5E082B2-4399-4F64-DF56-6F17582426C3}"/>
+              </a:ext>
+            </a:extLst>
+          </p:cNvPr>
+          <p:cNvSpPr>
+            <a:spLocks noGrp="1"/>
+          </p:cNvSpPr>
+          <p:nvPr>
+            <p:ph idx="1"/>
+          </p:nvPr>
+        </p:nvSpPr>
+        <p:spPr/>
+        <p:txBody>
+          <a:bodyPr/>
+          <a:lstStyle/>
+          <a:p>
+            <a:endParaRPr lang="en-US" dirty="0"/>
+          </a:p>
+        </p:txBody>
+      </p:sp>
+    </p:spTree>
+    <p:extLst>
+      <p:ext uri="{BB962C8B-B14F-4D97-AF65-F5344CB8AC3E}">
+        <p14:creationId xmlns:p14="http://schemas.microsoft.com/office/powerpoint/2010/main" val="2512853722"/>
+      </p:ext>
+    </p:extLst>
+  </p:cSld>
+  <p:clrMapOvr>
+    <a:masterClrMapping/>
+  </p:clrMapOvr>
+</p:sld>
+</file>
+
+<file path=ppt/slides/slide59.xml><?xml version="1.0" encoding="utf-8"?>
+<p:sld xmlns:a="http://schemas.openxmlformats.org/drawingml/2006/main" xmlns:r="http://schemas.openxmlformats.org/officeDocument/2006/relationships" xmlns:p="http://schemas.openxmlformats.org/presentationml/2006/main">
+  <p:cSld>
+    <p:spTree>
+      <p:nvGrpSpPr>
+        <p:cNvPr id="1" name=""/>
+        <p:cNvGrpSpPr/>
+        <p:nvPr/>
+      </p:nvGrpSpPr>
+      <p:grpSpPr>
+        <a:xfrm>
+          <a:off x="0" y="0"/>
+          <a:ext cx="0" cy="0"/>
+          <a:chOff x="0" y="0"/>
+          <a:chExt cx="0" cy="0"/>
+        </a:xfrm>
+      </p:grpSpPr>
+      <p:sp>
+        <p:nvSpPr>
+          <p:cNvPr id="2" name="Title 1">
+            <a:extLst>
+              <a:ext uri="{FF2B5EF4-FFF2-40B4-BE49-F238E27FC236}">
+                <a16:creationId xmlns:a16="http://schemas.microsoft.com/office/drawing/2014/main" id="{30EA76B2-018D-E6BC-79AB-88A6935EEB56}"/>
+              </a:ext>
+            </a:extLst>
+          </p:cNvPr>
+          <p:cNvSpPr>
+            <a:spLocks noGrp="1"/>
+          </p:cNvSpPr>
+          <p:nvPr>
+            <p:ph type="title"/>
+          </p:nvPr>
+        </p:nvSpPr>
+        <p:spPr/>
+        <p:txBody>
+          <a:bodyPr/>
+          <a:lstStyle/>
+          <a:p>
+            <a:r>
+              <a:rPr lang="en-US" dirty="0" err="1"/>
+              <a:t>isEqualNode</a:t>
+            </a:r>
+            <a:r>
+              <a:rPr lang="en-US" dirty="0"/>
+              <a:t>()</a:t>
+            </a:r>
+          </a:p>
+        </p:txBody>
+      </p:sp>
+      <p:sp>
+        <p:nvSpPr>
+          <p:cNvPr id="3" name="Content Placeholder 2">
+            <a:extLst>
+              <a:ext uri="{FF2B5EF4-FFF2-40B4-BE49-F238E27FC236}">
+                <a16:creationId xmlns:a16="http://schemas.microsoft.com/office/drawing/2014/main" id="{0E7FD2D7-04A7-690A-B50D-F206CEB0FB91}"/>
+              </a:ext>
+            </a:extLst>
+          </p:cNvPr>
+          <p:cNvSpPr>
+            <a:spLocks noGrp="1"/>
+          </p:cNvSpPr>
+          <p:nvPr>
+            <p:ph idx="1"/>
+          </p:nvPr>
+        </p:nvSpPr>
+        <p:spPr>
+          <a:xfrm>
+            <a:off x="838200" y="1825625"/>
+            <a:ext cx="1995152" cy="4351338"/>
+          </a:xfrm>
+        </p:spPr>
+        <p:txBody>
+          <a:bodyPr/>
+          <a:lstStyle/>
+          <a:p>
+            <a:r>
+              <a:rPr lang="en-US" dirty="0"/>
+              <a:t>Orange</a:t>
+            </a:r>
+          </a:p>
+          <a:p>
+            <a:r>
+              <a:rPr lang="en-US" dirty="0"/>
+              <a:t>Banana</a:t>
+            </a:r>
+          </a:p>
+          <a:p>
+            <a:r>
+              <a:rPr lang="en-US" dirty="0" err="1"/>
+              <a:t>Graps</a:t>
+            </a:r>
+            <a:endParaRPr lang="en-US" dirty="0"/>
+          </a:p>
+          <a:p>
+            <a:r>
+              <a:rPr lang="en-US" dirty="0"/>
+              <a:t>Apple</a:t>
+            </a:r>
+          </a:p>
+          <a:p>
+            <a:endParaRPr lang="en-US" dirty="0"/>
+          </a:p>
+        </p:txBody>
+      </p:sp>
+      <p:sp>
+        <p:nvSpPr>
+          <p:cNvPr id="4" name="Content Placeholder 2">
+            <a:extLst>
+              <a:ext uri="{FF2B5EF4-FFF2-40B4-BE49-F238E27FC236}">
+                <a16:creationId xmlns:a16="http://schemas.microsoft.com/office/drawing/2014/main" id="{666332CD-A114-8759-6B10-859CEB8121AB}"/>
+              </a:ext>
+            </a:extLst>
+          </p:cNvPr>
+          <p:cNvSpPr txBox="1">
+            <a:spLocks/>
+          </p:cNvSpPr>
+          <p:nvPr/>
+        </p:nvSpPr>
+        <p:spPr>
+          <a:xfrm>
+            <a:off x="3607158" y="1825625"/>
+            <a:ext cx="1995152" cy="4351338"/>
+          </a:xfrm>
+          <a:prstGeom prst="rect">
+            <a:avLst/>
+          </a:prstGeom>
+        </p:spPr>
+        <p:txBody>
+          <a:bodyPr vert="horz" lIns="91440" tIns="45720" rIns="91440" bIns="45720" rtlCol="0">
+            <a:normAutofit/>
+          </a:bodyPr>
+          <a:lstStyle>
+            <a:lvl1pPr marL="228600" indent="-228600" algn="l" defTabSz="914400" rtl="0" eaLnBrk="1" latinLnBrk="0" hangingPunct="1">
+              <a:lnSpc>
+                <a:spcPct val="90000"/>
+              </a:lnSpc>
+              <a:spcBef>
+                <a:spcPts val="1000"/>
+              </a:spcBef>
+              <a:buFont typeface="Arial" panose="020B0604020202020204" pitchFamily="34" charset="0"/>
+              <a:buChar char="•"/>
+              <a:defRPr sz="2800" kern="1200">
+                <a:solidFill>
+                  <a:schemeClr val="tx1"/>
+                </a:solidFill>
+                <a:latin typeface="+mn-lt"/>
+                <a:ea typeface="+mn-ea"/>
+                <a:cs typeface="+mn-cs"/>
+              </a:defRPr>
+            </a:lvl1pPr>
+            <a:lvl2pPr marL="685800" indent="-228600" algn="l" defTabSz="914400" rtl="0" eaLnBrk="1" latinLnBrk="0" hangingPunct="1">
+              <a:lnSpc>
+                <a:spcPct val="90000"/>
+              </a:lnSpc>
+              <a:spcBef>
+                <a:spcPts val="500"/>
+              </a:spcBef>
+              <a:buFont typeface="Arial" panose="020B0604020202020204" pitchFamily="34" charset="0"/>
+              <a:buChar char="•"/>
+              <a:defRPr sz="2400" kern="1200">
+                <a:solidFill>
+                  <a:schemeClr val="tx1"/>
+                </a:solidFill>
+                <a:latin typeface="+mn-lt"/>
+                <a:ea typeface="+mn-ea"/>
+                <a:cs typeface="+mn-cs"/>
+              </a:defRPr>
+            </a:lvl2pPr>
+            <a:lvl3pPr marL="1143000" indent="-228600" algn="l" defTabSz="914400" rtl="0" eaLnBrk="1" latinLnBrk="0" hangingPunct="1">
+              <a:lnSpc>
+                <a:spcPct val="90000"/>
+              </a:lnSpc>
+              <a:spcBef>
+                <a:spcPts val="500"/>
+              </a:spcBef>
+              <a:buFont typeface="Arial" panose="020B0604020202020204" pitchFamily="34" charset="0"/>
+              <a:buChar char="•"/>
+              <a:defRPr sz="2000" kern="1200">
+                <a:solidFill>
+                  <a:schemeClr val="tx1"/>
+                </a:solidFill>
+                <a:latin typeface="+mn-lt"/>
+                <a:ea typeface="+mn-ea"/>
+                <a:cs typeface="+mn-cs"/>
+              </a:defRPr>
+            </a:lvl3pPr>
+            <a:lvl4pPr marL="1600200" indent="-228600" algn="l" defTabSz="914400" rtl="0" eaLnBrk="1" latinLnBrk="0" hangingPunct="1">
+              <a:lnSpc>
+                <a:spcPct val="90000"/>
+              </a:lnSpc>
+              <a:spcBef>
+                <a:spcPts val="500"/>
+              </a:spcBef>
+              <a:buFont typeface="Arial" panose="020B0604020202020204" pitchFamily="34" charset="0"/>
+              <a:buChar char="•"/>
+              <a:defRPr sz="1800" kern="1200">
+                <a:solidFill>
+                  <a:schemeClr val="tx1"/>
+                </a:solidFill>
+                <a:latin typeface="+mn-lt"/>
+                <a:ea typeface="+mn-ea"/>
+                <a:cs typeface="+mn-cs"/>
+              </a:defRPr>
+            </a:lvl4pPr>
+            <a:lvl5pPr marL="2057400" indent="-228600" algn="l" defTabSz="914400" rtl="0" eaLnBrk="1" latinLnBrk="0" hangingPunct="1">
+              <a:lnSpc>
+                <a:spcPct val="90000"/>
+              </a:lnSpc>
+              <a:spcBef>
+                <a:spcPts val="500"/>
+              </a:spcBef>
+              <a:buFont typeface="Arial" panose="020B0604020202020204" pitchFamily="34" charset="0"/>
+              <a:buChar char="•"/>
+              <a:defRPr sz="1800" kern="1200">
+                <a:solidFill>
+                  <a:schemeClr val="tx1"/>
+                </a:solidFill>
+                <a:latin typeface="+mn-lt"/>
+                <a:ea typeface="+mn-ea"/>
+                <a:cs typeface="+mn-cs"/>
+              </a:defRPr>
+            </a:lvl5pPr>
+            <a:lvl6pPr marL="2514600" indent="-228600" algn="l" defTabSz="914400" rtl="0" eaLnBrk="1" latinLnBrk="0" hangingPunct="1">
+              <a:lnSpc>
+                <a:spcPct val="90000"/>
+              </a:lnSpc>
+              <a:spcBef>
+                <a:spcPts val="500"/>
+              </a:spcBef>
+              <a:buFont typeface="Arial" panose="020B0604020202020204" pitchFamily="34" charset="0"/>
+              <a:buChar char="•"/>
+              <a:defRPr sz="1800" kern="1200">
+                <a:solidFill>
+                  <a:schemeClr val="tx1"/>
+                </a:solidFill>
+                <a:latin typeface="+mn-lt"/>
+                <a:ea typeface="+mn-ea"/>
+                <a:cs typeface="+mn-cs"/>
+              </a:defRPr>
+            </a:lvl6pPr>
+            <a:lvl7pPr marL="2971800" indent="-228600" algn="l" defTabSz="914400" rtl="0" eaLnBrk="1" latinLnBrk="0" hangingPunct="1">
+              <a:lnSpc>
+                <a:spcPct val="90000"/>
+              </a:lnSpc>
+              <a:spcBef>
+                <a:spcPts val="500"/>
+              </a:spcBef>
+              <a:buFont typeface="Arial" panose="020B0604020202020204" pitchFamily="34" charset="0"/>
+              <a:buChar char="•"/>
+              <a:defRPr sz="1800" kern="1200">
+                <a:solidFill>
+                  <a:schemeClr val="tx1"/>
+                </a:solidFill>
+                <a:latin typeface="+mn-lt"/>
+                <a:ea typeface="+mn-ea"/>
+                <a:cs typeface="+mn-cs"/>
+              </a:defRPr>
+            </a:lvl7pPr>
+            <a:lvl8pPr marL="3429000" indent="-228600" algn="l" defTabSz="914400" rtl="0" eaLnBrk="1" latinLnBrk="0" hangingPunct="1">
+              <a:lnSpc>
+                <a:spcPct val="90000"/>
+              </a:lnSpc>
+              <a:spcBef>
+                <a:spcPts val="500"/>
+              </a:spcBef>
+              <a:buFont typeface="Arial" panose="020B0604020202020204" pitchFamily="34" charset="0"/>
+              <a:buChar char="•"/>
+              <a:defRPr sz="1800" kern="1200">
+                <a:solidFill>
+                  <a:schemeClr val="tx1"/>
+                </a:solidFill>
+                <a:latin typeface="+mn-lt"/>
+                <a:ea typeface="+mn-ea"/>
+                <a:cs typeface="+mn-cs"/>
+              </a:defRPr>
+            </a:lvl8pPr>
+            <a:lvl9pPr marL="3886200" indent="-228600" algn="l" defTabSz="914400" rtl="0" eaLnBrk="1" latinLnBrk="0" hangingPunct="1">
+              <a:lnSpc>
+                <a:spcPct val="90000"/>
+              </a:lnSpc>
+              <a:spcBef>
+                <a:spcPts val="500"/>
+              </a:spcBef>
+              <a:buFont typeface="Arial" panose="020B0604020202020204" pitchFamily="34" charset="0"/>
+              <a:buChar char="•"/>
+              <a:defRPr sz="1800" kern="1200">
+                <a:solidFill>
+                  <a:schemeClr val="tx1"/>
+                </a:solidFill>
+                <a:latin typeface="+mn-lt"/>
+                <a:ea typeface="+mn-ea"/>
+                <a:cs typeface="+mn-cs"/>
+              </a:defRPr>
+            </a:lvl9pPr>
+          </a:lstStyle>
+          <a:p>
+            <a:r>
+              <a:rPr lang="en-US" dirty="0"/>
+              <a:t>Orange</a:t>
+            </a:r>
+          </a:p>
+          <a:p>
+            <a:r>
+              <a:rPr lang="en-US" dirty="0"/>
+              <a:t>Guava</a:t>
+            </a:r>
+          </a:p>
+          <a:p>
+            <a:r>
+              <a:rPr lang="en-US" dirty="0"/>
+              <a:t>Pineapple</a:t>
+            </a:r>
+          </a:p>
+        </p:txBody>
+      </p:sp>
+      <p:sp>
+        <p:nvSpPr>
+          <p:cNvPr id="5" name="Content Placeholder 2">
+            <a:extLst>
+              <a:ext uri="{FF2B5EF4-FFF2-40B4-BE49-F238E27FC236}">
+                <a16:creationId xmlns:a16="http://schemas.microsoft.com/office/drawing/2014/main" id="{B89B27EE-5352-CEB0-DB25-EB82490C060C}"/>
+              </a:ext>
+            </a:extLst>
+          </p:cNvPr>
+          <p:cNvSpPr txBox="1">
+            <a:spLocks/>
+          </p:cNvSpPr>
+          <p:nvPr/>
+        </p:nvSpPr>
+        <p:spPr>
+          <a:xfrm>
+            <a:off x="7186411" y="1690688"/>
+            <a:ext cx="3556716" cy="4351338"/>
+          </a:xfrm>
+          <a:prstGeom prst="rect">
+            <a:avLst/>
+          </a:prstGeom>
+        </p:spPr>
+        <p:txBody>
+          <a:bodyPr vert="horz" lIns="91440" tIns="45720" rIns="91440" bIns="45720" rtlCol="0">
+            <a:normAutofit/>
+          </a:bodyPr>
+          <a:lstStyle>
+            <a:lvl1pPr marL="228600" indent="-228600" algn="l" defTabSz="914400" rtl="0" eaLnBrk="1" latinLnBrk="0" hangingPunct="1">
+              <a:lnSpc>
+                <a:spcPct val="90000"/>
+              </a:lnSpc>
+              <a:spcBef>
+                <a:spcPts val="1000"/>
+              </a:spcBef>
+              <a:buFont typeface="Arial" panose="020B0604020202020204" pitchFamily="34" charset="0"/>
+              <a:buChar char="•"/>
+              <a:defRPr sz="2800" kern="1200">
+                <a:solidFill>
+                  <a:schemeClr val="tx1"/>
+                </a:solidFill>
+                <a:latin typeface="+mn-lt"/>
+                <a:ea typeface="+mn-ea"/>
+                <a:cs typeface="+mn-cs"/>
+              </a:defRPr>
+            </a:lvl1pPr>
+            <a:lvl2pPr marL="685800" indent="-228600" algn="l" defTabSz="914400" rtl="0" eaLnBrk="1" latinLnBrk="0" hangingPunct="1">
+              <a:lnSpc>
+                <a:spcPct val="90000"/>
+              </a:lnSpc>
+              <a:spcBef>
+                <a:spcPts val="500"/>
+              </a:spcBef>
+              <a:buFont typeface="Arial" panose="020B0604020202020204" pitchFamily="34" charset="0"/>
+              <a:buChar char="•"/>
+              <a:defRPr sz="2400" kern="1200">
+                <a:solidFill>
+                  <a:schemeClr val="tx1"/>
+                </a:solidFill>
+                <a:latin typeface="+mn-lt"/>
+                <a:ea typeface="+mn-ea"/>
+                <a:cs typeface="+mn-cs"/>
+              </a:defRPr>
+            </a:lvl2pPr>
+            <a:lvl3pPr marL="1143000" indent="-228600" algn="l" defTabSz="914400" rtl="0" eaLnBrk="1" latinLnBrk="0" hangingPunct="1">
+              <a:lnSpc>
+                <a:spcPct val="90000"/>
+              </a:lnSpc>
+              <a:spcBef>
+                <a:spcPts val="500"/>
+              </a:spcBef>
+              <a:buFont typeface="Arial" panose="020B0604020202020204" pitchFamily="34" charset="0"/>
+              <a:buChar char="•"/>
+              <a:defRPr sz="2000" kern="1200">
+                <a:solidFill>
+                  <a:schemeClr val="tx1"/>
+                </a:solidFill>
+                <a:latin typeface="+mn-lt"/>
+                <a:ea typeface="+mn-ea"/>
+                <a:cs typeface="+mn-cs"/>
+              </a:defRPr>
+            </a:lvl3pPr>
+            <a:lvl4pPr marL="1600200" indent="-228600" algn="l" defTabSz="914400" rtl="0" eaLnBrk="1" latinLnBrk="0" hangingPunct="1">
+              <a:lnSpc>
+                <a:spcPct val="90000"/>
+              </a:lnSpc>
+              <a:spcBef>
+                <a:spcPts val="500"/>
+              </a:spcBef>
+              <a:buFont typeface="Arial" panose="020B0604020202020204" pitchFamily="34" charset="0"/>
+              <a:buChar char="•"/>
+              <a:defRPr sz="1800" kern="1200">
+                <a:solidFill>
+                  <a:schemeClr val="tx1"/>
+                </a:solidFill>
+                <a:latin typeface="+mn-lt"/>
+                <a:ea typeface="+mn-ea"/>
+                <a:cs typeface="+mn-cs"/>
+              </a:defRPr>
+            </a:lvl4pPr>
+            <a:lvl5pPr marL="2057400" indent="-228600" algn="l" defTabSz="914400" rtl="0" eaLnBrk="1" latinLnBrk="0" hangingPunct="1">
+              <a:lnSpc>
+                <a:spcPct val="90000"/>
+              </a:lnSpc>
+              <a:spcBef>
+                <a:spcPts val="500"/>
+              </a:spcBef>
+              <a:buFont typeface="Arial" panose="020B0604020202020204" pitchFamily="34" charset="0"/>
+              <a:buChar char="•"/>
+              <a:defRPr sz="1800" kern="1200">
+                <a:solidFill>
+                  <a:schemeClr val="tx1"/>
+                </a:solidFill>
+                <a:latin typeface="+mn-lt"/>
+                <a:ea typeface="+mn-ea"/>
+                <a:cs typeface="+mn-cs"/>
+              </a:defRPr>
+            </a:lvl5pPr>
+            <a:lvl6pPr marL="2514600" indent="-228600" algn="l" defTabSz="914400" rtl="0" eaLnBrk="1" latinLnBrk="0" hangingPunct="1">
+              <a:lnSpc>
+                <a:spcPct val="90000"/>
+              </a:lnSpc>
+              <a:spcBef>
+                <a:spcPts val="500"/>
+              </a:spcBef>
+              <a:buFont typeface="Arial" panose="020B0604020202020204" pitchFamily="34" charset="0"/>
+              <a:buChar char="•"/>
+              <a:defRPr sz="1800" kern="1200">
+                <a:solidFill>
+                  <a:schemeClr val="tx1"/>
+                </a:solidFill>
+                <a:latin typeface="+mn-lt"/>
+                <a:ea typeface="+mn-ea"/>
+                <a:cs typeface="+mn-cs"/>
+              </a:defRPr>
+            </a:lvl6pPr>
+            <a:lvl7pPr marL="2971800" indent="-228600" algn="l" defTabSz="914400" rtl="0" eaLnBrk="1" latinLnBrk="0" hangingPunct="1">
+              <a:lnSpc>
+                <a:spcPct val="90000"/>
+              </a:lnSpc>
+              <a:spcBef>
+                <a:spcPts val="500"/>
+              </a:spcBef>
+              <a:buFont typeface="Arial" panose="020B0604020202020204" pitchFamily="34" charset="0"/>
+              <a:buChar char="•"/>
+              <a:defRPr sz="1800" kern="1200">
+                <a:solidFill>
+                  <a:schemeClr val="tx1"/>
+                </a:solidFill>
+                <a:latin typeface="+mn-lt"/>
+                <a:ea typeface="+mn-ea"/>
+                <a:cs typeface="+mn-cs"/>
+              </a:defRPr>
+            </a:lvl7pPr>
+            <a:lvl8pPr marL="3429000" indent="-228600" algn="l" defTabSz="914400" rtl="0" eaLnBrk="1" latinLnBrk="0" hangingPunct="1">
+              <a:lnSpc>
+                <a:spcPct val="90000"/>
+              </a:lnSpc>
+              <a:spcBef>
+                <a:spcPts val="500"/>
+              </a:spcBef>
+              <a:buFont typeface="Arial" panose="020B0604020202020204" pitchFamily="34" charset="0"/>
+              <a:buChar char="•"/>
+              <a:defRPr sz="1800" kern="1200">
+                <a:solidFill>
+                  <a:schemeClr val="tx1"/>
+                </a:solidFill>
+                <a:latin typeface="+mn-lt"/>
+                <a:ea typeface="+mn-ea"/>
+                <a:cs typeface="+mn-cs"/>
+              </a:defRPr>
+            </a:lvl8pPr>
+            <a:lvl9pPr marL="3886200" indent="-228600" algn="l" defTabSz="914400" rtl="0" eaLnBrk="1" latinLnBrk="0" hangingPunct="1">
+              <a:lnSpc>
+                <a:spcPct val="90000"/>
+              </a:lnSpc>
+              <a:spcBef>
+                <a:spcPts val="500"/>
+              </a:spcBef>
+              <a:buFont typeface="Arial" panose="020B0604020202020204" pitchFamily="34" charset="0"/>
+              <a:buChar char="•"/>
+              <a:defRPr sz="1800" kern="1200">
+                <a:solidFill>
+                  <a:schemeClr val="tx1"/>
+                </a:solidFill>
+                <a:latin typeface="+mn-lt"/>
+                <a:ea typeface="+mn-ea"/>
+                <a:cs typeface="+mn-cs"/>
+              </a:defRPr>
+            </a:lvl9pPr>
+          </a:lstStyle>
+          <a:p>
+            <a:r>
+              <a:rPr lang="en-US" dirty="0"/>
+              <a:t>Same Node Type</a:t>
+            </a:r>
+          </a:p>
+          <a:p>
+            <a:r>
+              <a:rPr lang="en-US" dirty="0"/>
+              <a:t>Same </a:t>
+            </a:r>
+            <a:r>
+              <a:rPr lang="en-US" dirty="0" err="1"/>
+              <a:t>nodeName</a:t>
+            </a:r>
+            <a:endParaRPr lang="en-US" dirty="0"/>
+          </a:p>
+          <a:p>
+            <a:r>
+              <a:rPr lang="en-US" dirty="0"/>
+              <a:t>Same </a:t>
+            </a:r>
+            <a:r>
+              <a:rPr lang="en-US" dirty="0" err="1"/>
+              <a:t>NodeValue</a:t>
+            </a:r>
+            <a:endParaRPr lang="en-US" dirty="0"/>
+          </a:p>
+          <a:p>
+            <a:r>
+              <a:rPr lang="en-US" dirty="0"/>
+              <a:t>Same </a:t>
+            </a:r>
+            <a:r>
+              <a:rPr lang="en-US" dirty="0" err="1"/>
+              <a:t>childNodes</a:t>
+            </a:r>
+            <a:endParaRPr lang="en-US" dirty="0"/>
+          </a:p>
+          <a:p>
+            <a:r>
+              <a:rPr lang="en-US" dirty="0"/>
+              <a:t>Same attributes</a:t>
+            </a:r>
+          </a:p>
+          <a:p>
+            <a:r>
+              <a:rPr lang="en-US" dirty="0"/>
+              <a:t>Same attribute values</a:t>
+            </a:r>
+          </a:p>
+        </p:txBody>
+      </p:sp>
+    </p:spTree>
+    <p:extLst>
+      <p:ext uri="{BB962C8B-B14F-4D97-AF65-F5344CB8AC3E}">
+        <p14:creationId xmlns:p14="http://schemas.microsoft.com/office/powerpoint/2010/main" val="3153533005"/>
+      </p:ext>
+    </p:extLst>
+  </p:cSld>
+  <p:clrMapOvr>
+    <a:masterClrMapping/>
+  </p:clrMapOvr>
+</p:sld>
+</file>
+
 <file path=ppt/slides/slide6.xml><?xml version="1.0" encoding="utf-8"?>
 <p:sld xmlns:a="http://schemas.openxmlformats.org/drawingml/2006/main" xmlns:r="http://schemas.openxmlformats.org/officeDocument/2006/relationships" xmlns:p="http://schemas.openxmlformats.org/presentationml/2006/main">
   <p:cSld>
